--- a/Calendario/Presentaciones/3_Componentes.pptx
+++ b/Calendario/Presentaciones/3_Componentes.pptx
@@ -231,7 +231,7 @@
           <a:p>
             <a:fld id="{2D445F07-8756-451B-A938-0248325FC7BB}" type="datetimeFigureOut">
               <a:rPr lang="es-MX" smtClean="0"/>
-              <a:t>17/01/2022</a:t>
+              <a:t>16/02/2022</a:t>
             </a:fld>
             <a:endParaRPr lang="es-MX" dirty="0"/>
           </a:p>
@@ -2024,7 +2024,7 @@
           <a:p>
             <a:fld id="{5E75A0DC-66C6-4CEC-A5EB-F8C97CEC3796}" type="datetimeFigureOut">
               <a:rPr lang="es-MX" smtClean="0"/>
-              <a:t>17/01/2022</a:t>
+              <a:t>16/02/2022</a:t>
             </a:fld>
             <a:endParaRPr lang="es-MX" dirty="0"/>
           </a:p>
@@ -2194,7 +2194,7 @@
           <a:p>
             <a:fld id="{5E75A0DC-66C6-4CEC-A5EB-F8C97CEC3796}" type="datetimeFigureOut">
               <a:rPr lang="es-MX" smtClean="0"/>
-              <a:t>17/01/2022</a:t>
+              <a:t>16/02/2022</a:t>
             </a:fld>
             <a:endParaRPr lang="es-MX" dirty="0"/>
           </a:p>
@@ -2374,7 +2374,7 @@
           <a:p>
             <a:fld id="{5E75A0DC-66C6-4CEC-A5EB-F8C97CEC3796}" type="datetimeFigureOut">
               <a:rPr lang="es-MX" smtClean="0"/>
-              <a:t>17/01/2022</a:t>
+              <a:t>16/02/2022</a:t>
             </a:fld>
             <a:endParaRPr lang="es-MX" dirty="0"/>
           </a:p>
@@ -2527,7 +2527,7 @@
           <a:p>
             <a:fld id="{1D8BD707-D9CF-40AE-B4C6-C98DA3205C09}" type="datetimeFigureOut">
               <a:rPr lang="en-US" smtClean="0"/>
-              <a:t>1/17/2022</a:t>
+              <a:t>2/16/2022</a:t>
             </a:fld>
             <a:endParaRPr lang="en-US"/>
           </a:p>
@@ -2687,7 +2687,7 @@
           <a:p>
             <a:fld id="{5E75A0DC-66C6-4CEC-A5EB-F8C97CEC3796}" type="datetimeFigureOut">
               <a:rPr lang="es-MX" smtClean="0"/>
-              <a:t>17/01/2022</a:t>
+              <a:t>16/02/2022</a:t>
             </a:fld>
             <a:endParaRPr lang="es-MX" dirty="0"/>
           </a:p>
@@ -2933,7 +2933,7 @@
           <a:p>
             <a:fld id="{5E75A0DC-66C6-4CEC-A5EB-F8C97CEC3796}" type="datetimeFigureOut">
               <a:rPr lang="es-MX" smtClean="0"/>
-              <a:t>17/01/2022</a:t>
+              <a:t>16/02/2022</a:t>
             </a:fld>
             <a:endParaRPr lang="es-MX" dirty="0"/>
           </a:p>
@@ -3221,7 +3221,7 @@
           <a:p>
             <a:fld id="{5E75A0DC-66C6-4CEC-A5EB-F8C97CEC3796}" type="datetimeFigureOut">
               <a:rPr lang="es-MX" smtClean="0"/>
-              <a:t>17/01/2022</a:t>
+              <a:t>16/02/2022</a:t>
             </a:fld>
             <a:endParaRPr lang="es-MX" dirty="0"/>
           </a:p>
@@ -3643,7 +3643,7 @@
           <a:p>
             <a:fld id="{5E75A0DC-66C6-4CEC-A5EB-F8C97CEC3796}" type="datetimeFigureOut">
               <a:rPr lang="es-MX" smtClean="0"/>
-              <a:t>17/01/2022</a:t>
+              <a:t>16/02/2022</a:t>
             </a:fld>
             <a:endParaRPr lang="es-MX" dirty="0"/>
           </a:p>
@@ -3761,7 +3761,7 @@
           <a:p>
             <a:fld id="{5E75A0DC-66C6-4CEC-A5EB-F8C97CEC3796}" type="datetimeFigureOut">
               <a:rPr lang="es-MX" smtClean="0"/>
-              <a:t>17/01/2022</a:t>
+              <a:t>16/02/2022</a:t>
             </a:fld>
             <a:endParaRPr lang="es-MX" dirty="0"/>
           </a:p>
@@ -3856,7 +3856,7 @@
           <a:p>
             <a:fld id="{5E75A0DC-66C6-4CEC-A5EB-F8C97CEC3796}" type="datetimeFigureOut">
               <a:rPr lang="es-MX" smtClean="0"/>
-              <a:t>17/01/2022</a:t>
+              <a:t>16/02/2022</a:t>
             </a:fld>
             <a:endParaRPr lang="es-MX" dirty="0"/>
           </a:p>
@@ -4133,7 +4133,7 @@
           <a:p>
             <a:fld id="{5E75A0DC-66C6-4CEC-A5EB-F8C97CEC3796}" type="datetimeFigureOut">
               <a:rPr lang="es-MX" smtClean="0"/>
-              <a:t>17/01/2022</a:t>
+              <a:t>16/02/2022</a:t>
             </a:fld>
             <a:endParaRPr lang="es-MX" dirty="0"/>
           </a:p>
@@ -4386,7 +4386,7 @@
           <a:p>
             <a:fld id="{5E75A0DC-66C6-4CEC-A5EB-F8C97CEC3796}" type="datetimeFigureOut">
               <a:rPr lang="es-MX" smtClean="0"/>
-              <a:t>17/01/2022</a:t>
+              <a:t>16/02/2022</a:t>
             </a:fld>
             <a:endParaRPr lang="es-MX" dirty="0"/>
           </a:p>
@@ -4599,7 +4599,7 @@
           <a:p>
             <a:fld id="{5E75A0DC-66C6-4CEC-A5EB-F8C97CEC3796}" type="datetimeFigureOut">
               <a:rPr lang="es-MX" smtClean="0"/>
-              <a:t>17/01/2022</a:t>
+              <a:t>16/02/2022</a:t>
             </a:fld>
             <a:endParaRPr lang="es-MX" dirty="0"/>
           </a:p>
@@ -8635,7 +8635,17 @@
                   </a:schemeClr>
                 </a:solidFill>
               </a:rPr>
-              <a:t>Pedir el radio</a:t>
+              <a:t>1. Pedir el </a:t>
+            </a:r>
+            <a:r>
+              <a:rPr lang="es-MX" sz="2600" b="1" dirty="0">
+                <a:solidFill>
+                  <a:schemeClr val="bg2">
+                    <a:lumMod val="25000"/>
+                  </a:schemeClr>
+                </a:solidFill>
+              </a:rPr>
+              <a:t>radio</a:t>
             </a:r>
           </a:p>
           <a:p>
@@ -8645,7 +8655,17 @@
               </a:lnSpc>
             </a:pPr>
             <a:r>
-              <a:rPr lang="es-MX" sz="2600" dirty="0" err="1">
+              <a:rPr lang="es-MX" sz="2600" dirty="0">
+                <a:solidFill>
+                  <a:schemeClr val="bg2">
+                    <a:lumMod val="25000"/>
+                  </a:schemeClr>
+                </a:solidFill>
+              </a:rPr>
+              <a:t>2. </a:t>
+            </a:r>
+            <a:r>
+              <a:rPr lang="es-MX" sz="2600" b="1" dirty="0" err="1">
                 <a:solidFill>
                   <a:schemeClr val="bg2">
                     <a:lumMod val="25000"/>
@@ -8679,10 +8699,10 @@
                   </a:schemeClr>
                 </a:solidFill>
               </a:rPr>
-              <a:t>escribir(</a:t>
-            </a:r>
-            <a:r>
-              <a:rPr lang="es-MX" sz="2600" dirty="0" err="1">
+              <a:t>3. Escribir(</a:t>
+            </a:r>
+            <a:r>
+              <a:rPr lang="es-MX" sz="2600" b="1" dirty="0" err="1">
                 <a:solidFill>
                   <a:schemeClr val="bg2">
                     <a:lumMod val="25000"/>

--- a/Calendario/Presentaciones/3_Componentes.pptx
+++ b/Calendario/Presentaciones/3_Componentes.pptx
@@ -5,7 +5,7 @@
     <p:sldMasterId id="2147483648" r:id="rId1"/>
   </p:sldMasterIdLst>
   <p:notesMasterIdLst>
-    <p:notesMasterId r:id="rId26"/>
+    <p:notesMasterId r:id="rId28"/>
   </p:notesMasterIdLst>
   <p:sldIdLst>
     <p:sldId id="257" r:id="rId2"/>
@@ -25,13 +25,15 @@
     <p:sldId id="348" r:id="rId16"/>
     <p:sldId id="272" r:id="rId17"/>
     <p:sldId id="353" r:id="rId18"/>
-    <p:sldId id="285" r:id="rId19"/>
-    <p:sldId id="278" r:id="rId20"/>
-    <p:sldId id="354" r:id="rId21"/>
-    <p:sldId id="280" r:id="rId22"/>
-    <p:sldId id="355" r:id="rId23"/>
-    <p:sldId id="356" r:id="rId24"/>
-    <p:sldId id="282" r:id="rId25"/>
+    <p:sldId id="271" r:id="rId19"/>
+    <p:sldId id="357" r:id="rId20"/>
+    <p:sldId id="285" r:id="rId21"/>
+    <p:sldId id="278" r:id="rId22"/>
+    <p:sldId id="354" r:id="rId23"/>
+    <p:sldId id="280" r:id="rId24"/>
+    <p:sldId id="355" r:id="rId25"/>
+    <p:sldId id="356" r:id="rId26"/>
+    <p:sldId id="282" r:id="rId27"/>
   </p:sldIdLst>
   <p:sldSz cx="9144000" cy="6858000" type="screen4x3"/>
   <p:notesSz cx="6858000" cy="9144000"/>
@@ -231,7 +233,7 @@
           <a:p>
             <a:fld id="{2D445F07-8756-451B-A938-0248325FC7BB}" type="datetimeFigureOut">
               <a:rPr lang="es-MX" smtClean="0"/>
-              <a:t>16/02/2022</a:t>
+              <a:t>24/02/2022</a:t>
             </a:fld>
             <a:endParaRPr lang="es-MX" dirty="0"/>
           </a:p>
@@ -732,7 +734,7 @@
           <a:p>
             <a:fld id="{5993AEC0-242E-4FA7-9D3C-51E1036AC3CB}" type="slidenum">
               <a:rPr lang="es-MX" smtClean="0"/>
-              <a:t>18</a:t>
+              <a:t>20</a:t>
             </a:fld>
             <a:endParaRPr lang="es-MX"/>
           </a:p>
@@ -816,7 +818,7 @@
           <a:p>
             <a:fld id="{FFE74245-C697-475F-B366-D66ADD0BA1E1}" type="slidenum">
               <a:rPr lang="es-MX" smtClean="0"/>
-              <a:t>19</a:t>
+              <a:t>21</a:t>
             </a:fld>
             <a:endParaRPr lang="es-MX"/>
           </a:p>
@@ -900,7 +902,7 @@
           <a:p>
             <a:fld id="{FFE74245-C697-475F-B366-D66ADD0BA1E1}" type="slidenum">
               <a:rPr lang="es-MX" smtClean="0"/>
-              <a:t>20</a:t>
+              <a:t>22</a:t>
             </a:fld>
             <a:endParaRPr lang="es-MX"/>
           </a:p>
@@ -984,7 +986,7 @@
           <a:p>
             <a:fld id="{FFE74245-C697-475F-B366-D66ADD0BA1E1}" type="slidenum">
               <a:rPr lang="es-MX" smtClean="0"/>
-              <a:t>21</a:t>
+              <a:t>23</a:t>
             </a:fld>
             <a:endParaRPr lang="es-MX"/>
           </a:p>
@@ -1068,7 +1070,7 @@
           <a:p>
             <a:fld id="{FFE74245-C697-475F-B366-D66ADD0BA1E1}" type="slidenum">
               <a:rPr lang="es-MX" smtClean="0"/>
-              <a:t>22</a:t>
+              <a:t>24</a:t>
             </a:fld>
             <a:endParaRPr lang="es-MX"/>
           </a:p>
@@ -1152,7 +1154,7 @@
           <a:p>
             <a:fld id="{FFE74245-C697-475F-B366-D66ADD0BA1E1}" type="slidenum">
               <a:rPr lang="es-MX" smtClean="0"/>
-              <a:t>23</a:t>
+              <a:t>25</a:t>
             </a:fld>
             <a:endParaRPr lang="es-MX"/>
           </a:p>
@@ -2024,7 +2026,7 @@
           <a:p>
             <a:fld id="{5E75A0DC-66C6-4CEC-A5EB-F8C97CEC3796}" type="datetimeFigureOut">
               <a:rPr lang="es-MX" smtClean="0"/>
-              <a:t>16/02/2022</a:t>
+              <a:t>24/02/2022</a:t>
             </a:fld>
             <a:endParaRPr lang="es-MX" dirty="0"/>
           </a:p>
@@ -2194,7 +2196,7 @@
           <a:p>
             <a:fld id="{5E75A0DC-66C6-4CEC-A5EB-F8C97CEC3796}" type="datetimeFigureOut">
               <a:rPr lang="es-MX" smtClean="0"/>
-              <a:t>16/02/2022</a:t>
+              <a:t>24/02/2022</a:t>
             </a:fld>
             <a:endParaRPr lang="es-MX" dirty="0"/>
           </a:p>
@@ -2374,7 +2376,7 @@
           <a:p>
             <a:fld id="{5E75A0DC-66C6-4CEC-A5EB-F8C97CEC3796}" type="datetimeFigureOut">
               <a:rPr lang="es-MX" smtClean="0"/>
-              <a:t>16/02/2022</a:t>
+              <a:t>24/02/2022</a:t>
             </a:fld>
             <a:endParaRPr lang="es-MX" dirty="0"/>
           </a:p>
@@ -2527,7 +2529,7 @@
           <a:p>
             <a:fld id="{1D8BD707-D9CF-40AE-B4C6-C98DA3205C09}" type="datetimeFigureOut">
               <a:rPr lang="en-US" smtClean="0"/>
-              <a:t>2/16/2022</a:t>
+              <a:t>2/24/2022</a:t>
             </a:fld>
             <a:endParaRPr lang="en-US"/>
           </a:p>
@@ -2687,7 +2689,7 @@
           <a:p>
             <a:fld id="{5E75A0DC-66C6-4CEC-A5EB-F8C97CEC3796}" type="datetimeFigureOut">
               <a:rPr lang="es-MX" smtClean="0"/>
-              <a:t>16/02/2022</a:t>
+              <a:t>24/02/2022</a:t>
             </a:fld>
             <a:endParaRPr lang="es-MX" dirty="0"/>
           </a:p>
@@ -2933,7 +2935,7 @@
           <a:p>
             <a:fld id="{5E75A0DC-66C6-4CEC-A5EB-F8C97CEC3796}" type="datetimeFigureOut">
               <a:rPr lang="es-MX" smtClean="0"/>
-              <a:t>16/02/2022</a:t>
+              <a:t>24/02/2022</a:t>
             </a:fld>
             <a:endParaRPr lang="es-MX" dirty="0"/>
           </a:p>
@@ -3221,7 +3223,7 @@
           <a:p>
             <a:fld id="{5E75A0DC-66C6-4CEC-A5EB-F8C97CEC3796}" type="datetimeFigureOut">
               <a:rPr lang="es-MX" smtClean="0"/>
-              <a:t>16/02/2022</a:t>
+              <a:t>24/02/2022</a:t>
             </a:fld>
             <a:endParaRPr lang="es-MX" dirty="0"/>
           </a:p>
@@ -3643,7 +3645,7 @@
           <a:p>
             <a:fld id="{5E75A0DC-66C6-4CEC-A5EB-F8C97CEC3796}" type="datetimeFigureOut">
               <a:rPr lang="es-MX" smtClean="0"/>
-              <a:t>16/02/2022</a:t>
+              <a:t>24/02/2022</a:t>
             </a:fld>
             <a:endParaRPr lang="es-MX" dirty="0"/>
           </a:p>
@@ -3761,7 +3763,7 @@
           <a:p>
             <a:fld id="{5E75A0DC-66C6-4CEC-A5EB-F8C97CEC3796}" type="datetimeFigureOut">
               <a:rPr lang="es-MX" smtClean="0"/>
-              <a:t>16/02/2022</a:t>
+              <a:t>24/02/2022</a:t>
             </a:fld>
             <a:endParaRPr lang="es-MX" dirty="0"/>
           </a:p>
@@ -3856,7 +3858,7 @@
           <a:p>
             <a:fld id="{5E75A0DC-66C6-4CEC-A5EB-F8C97CEC3796}" type="datetimeFigureOut">
               <a:rPr lang="es-MX" smtClean="0"/>
-              <a:t>16/02/2022</a:t>
+              <a:t>24/02/2022</a:t>
             </a:fld>
             <a:endParaRPr lang="es-MX" dirty="0"/>
           </a:p>
@@ -4133,7 +4135,7 @@
           <a:p>
             <a:fld id="{5E75A0DC-66C6-4CEC-A5EB-F8C97CEC3796}" type="datetimeFigureOut">
               <a:rPr lang="es-MX" smtClean="0"/>
-              <a:t>16/02/2022</a:t>
+              <a:t>24/02/2022</a:t>
             </a:fld>
             <a:endParaRPr lang="es-MX" dirty="0"/>
           </a:p>
@@ -4386,7 +4388,7 @@
           <a:p>
             <a:fld id="{5E75A0DC-66C6-4CEC-A5EB-F8C97CEC3796}" type="datetimeFigureOut">
               <a:rPr lang="es-MX" smtClean="0"/>
-              <a:t>16/02/2022</a:t>
+              <a:t>24/02/2022</a:t>
             </a:fld>
             <a:endParaRPr lang="es-MX" dirty="0"/>
           </a:p>
@@ -4599,7 +4601,7 @@
           <a:p>
             <a:fld id="{5E75A0DC-66C6-4CEC-A5EB-F8C97CEC3796}" type="datetimeFigureOut">
               <a:rPr lang="es-MX" smtClean="0"/>
-              <a:t>16/02/2022</a:t>
+              <a:t>24/02/2022</a:t>
             </a:fld>
             <a:endParaRPr lang="es-MX" dirty="0"/>
           </a:p>
@@ -8110,6 +8112,2657 @@
           <a:chExt cx="0" cy="0"/>
         </a:xfrm>
       </p:grpSpPr>
+      <p:graphicFrame>
+        <p:nvGraphicFramePr>
+          <p:cNvPr id="91190" name="Group 54"/>
+          <p:cNvGraphicFramePr>
+            <a:graphicFrameLocks noGrp="1"/>
+          </p:cNvGraphicFramePr>
+          <p:nvPr>
+            <p:extLst>
+              <p:ext uri="{D42A27DB-BD31-4B8C-83A1-F6EECF244321}">
+                <p14:modId xmlns:p14="http://schemas.microsoft.com/office/powerpoint/2010/main" val="158747927"/>
+              </p:ext>
+            </p:extLst>
+          </p:nvPr>
+        </p:nvGraphicFramePr>
+        <p:xfrm>
+          <a:off x="1404144" y="2132856"/>
+          <a:ext cx="6335712" cy="2903538"/>
+        </p:xfrm>
+        <a:graphic>
+          <a:graphicData uri="http://schemas.openxmlformats.org/drawingml/2006/table">
+            <a:tbl>
+              <a:tblPr/>
+              <a:tblGrid>
+                <a:gridCol w="3300412">
+                  <a:extLst>
+                    <a:ext uri="{9D8B030D-6E8A-4147-A177-3AD203B41FA5}">
+                      <a16:colId xmlns:a16="http://schemas.microsoft.com/office/drawing/2014/main" val="20000"/>
+                    </a:ext>
+                  </a:extLst>
+                </a:gridCol>
+                <a:gridCol w="3035300">
+                  <a:extLst>
+                    <a:ext uri="{9D8B030D-6E8A-4147-A177-3AD203B41FA5}">
+                      <a16:colId xmlns:a16="http://schemas.microsoft.com/office/drawing/2014/main" val="20001"/>
+                    </a:ext>
+                  </a:extLst>
+                </a:gridCol>
+              </a:tblGrid>
+              <a:tr h="581025">
+                <a:tc>
+                  <a:txBody>
+                    <a:bodyPr/>
+                    <a:lstStyle/>
+                    <a:p>
+                      <a:pPr marL="0" marR="0" lvl="0" indent="0" algn="ctr" defTabSz="914400" rtl="0" eaLnBrk="1" fontAlgn="base" latinLnBrk="0" hangingPunct="1">
+                        <a:lnSpc>
+                          <a:spcPct val="100000"/>
+                        </a:lnSpc>
+                        <a:spcBef>
+                          <a:spcPct val="20000"/>
+                        </a:spcBef>
+                        <a:spcAft>
+                          <a:spcPct val="0"/>
+                        </a:spcAft>
+                        <a:buClrTx/>
+                        <a:buSzTx/>
+                        <a:buFontTx/>
+                        <a:buNone/>
+                        <a:tabLst/>
+                      </a:pPr>
+                      <a:r>
+                        <a:rPr kumimoji="0" lang="es-MX" sz="2800" b="1" i="0" u="none" strike="noStrike" cap="none" normalizeH="0" baseline="0" dirty="0">
+                          <a:ln>
+                            <a:noFill/>
+                          </a:ln>
+                          <a:solidFill>
+                            <a:schemeClr val="bg1"/>
+                          </a:solidFill>
+                          <a:effectLst/>
+                          <a:latin typeface="Arial" pitchFamily="34" charset="0"/>
+                        </a:rPr>
+                        <a:t>Tipo</a:t>
+                      </a:r>
+                    </a:p>
+                  </a:txBody>
+                  <a:tcPr horzOverflow="overflow">
+                    <a:lnL w="28575" cap="flat" cmpd="sng" algn="ctr">
+                      <a:solidFill>
+                        <a:schemeClr val="tx1"/>
+                      </a:solidFill>
+                      <a:prstDash val="solid"/>
+                      <a:round/>
+                      <a:headEnd type="none" w="sm" len="sm"/>
+                      <a:tailEnd type="none" w="sm" len="sm"/>
+                    </a:lnL>
+                    <a:lnR w="12700" cap="flat" cmpd="sng" algn="ctr">
+                      <a:solidFill>
+                        <a:schemeClr val="tx1"/>
+                      </a:solidFill>
+                      <a:prstDash val="solid"/>
+                      <a:round/>
+                      <a:headEnd type="none" w="sm" len="sm"/>
+                      <a:tailEnd type="none" w="sm" len="sm"/>
+                    </a:lnR>
+                    <a:lnT w="28575" cap="flat" cmpd="sng" algn="ctr">
+                      <a:solidFill>
+                        <a:schemeClr val="tx1"/>
+                      </a:solidFill>
+                      <a:prstDash val="solid"/>
+                      <a:round/>
+                      <a:headEnd type="none" w="sm" len="sm"/>
+                      <a:tailEnd type="none" w="sm" len="sm"/>
+                    </a:lnT>
+                    <a:lnB w="12700" cap="flat" cmpd="sng" algn="ctr">
+                      <a:solidFill>
+                        <a:schemeClr val="tx1"/>
+                      </a:solidFill>
+                      <a:prstDash val="solid"/>
+                      <a:round/>
+                      <a:headEnd type="none" w="sm" len="sm"/>
+                      <a:tailEnd type="none" w="sm" len="sm"/>
+                    </a:lnB>
+                    <a:lnTlToBr>
+                      <a:noFill/>
+                    </a:lnTlToBr>
+                    <a:lnBlToTr>
+                      <a:noFill/>
+                    </a:lnBlToTr>
+                    <a:solidFill>
+                      <a:schemeClr val="accent3">
+                        <a:lumMod val="75000"/>
+                      </a:schemeClr>
+                    </a:solidFill>
+                  </a:tcPr>
+                </a:tc>
+                <a:tc>
+                  <a:txBody>
+                    <a:bodyPr/>
+                    <a:lstStyle/>
+                    <a:p>
+                      <a:pPr marL="0" marR="0" lvl="0" indent="0" algn="ctr" defTabSz="914400" rtl="0" eaLnBrk="1" fontAlgn="base" latinLnBrk="0" hangingPunct="1">
+                        <a:lnSpc>
+                          <a:spcPct val="100000"/>
+                        </a:lnSpc>
+                        <a:spcBef>
+                          <a:spcPct val="20000"/>
+                        </a:spcBef>
+                        <a:spcAft>
+                          <a:spcPct val="0"/>
+                        </a:spcAft>
+                        <a:buClrTx/>
+                        <a:buSzTx/>
+                        <a:buFontTx/>
+                        <a:buNone/>
+                        <a:tabLst/>
+                      </a:pPr>
+                      <a:r>
+                        <a:rPr kumimoji="0" lang="es-MX" sz="2800" b="1" i="0" u="none" strike="noStrike" cap="none" normalizeH="0" baseline="0" dirty="0" err="1">
+                          <a:ln>
+                            <a:noFill/>
+                          </a:ln>
+                          <a:solidFill>
+                            <a:schemeClr val="bg1"/>
+                          </a:solidFill>
+                          <a:effectLst/>
+                          <a:latin typeface="Arial" pitchFamily="34" charset="0"/>
+                        </a:rPr>
+                        <a:t>Caracter</a:t>
+                      </a:r>
+                      <a:endParaRPr kumimoji="0" lang="es-MX" sz="2800" b="1" i="0" u="none" strike="noStrike" cap="none" normalizeH="0" baseline="0" dirty="0">
+                        <a:ln>
+                          <a:noFill/>
+                        </a:ln>
+                        <a:solidFill>
+                          <a:schemeClr val="bg1"/>
+                        </a:solidFill>
+                        <a:effectLst/>
+                        <a:latin typeface="Arial" pitchFamily="34" charset="0"/>
+                      </a:endParaRPr>
+                    </a:p>
+                  </a:txBody>
+                  <a:tcPr horzOverflow="overflow">
+                    <a:lnL w="12700" cap="flat" cmpd="sng" algn="ctr">
+                      <a:solidFill>
+                        <a:schemeClr val="tx1"/>
+                      </a:solidFill>
+                      <a:prstDash val="solid"/>
+                      <a:round/>
+                      <a:headEnd type="none" w="sm" len="sm"/>
+                      <a:tailEnd type="none" w="sm" len="sm"/>
+                    </a:lnL>
+                    <a:lnR w="28575" cap="flat" cmpd="sng" algn="ctr">
+                      <a:solidFill>
+                        <a:schemeClr val="tx1"/>
+                      </a:solidFill>
+                      <a:prstDash val="solid"/>
+                      <a:round/>
+                      <a:headEnd type="none" w="sm" len="sm"/>
+                      <a:tailEnd type="none" w="sm" len="sm"/>
+                    </a:lnR>
+                    <a:lnT w="28575" cap="flat" cmpd="sng" algn="ctr">
+                      <a:solidFill>
+                        <a:schemeClr val="tx1"/>
+                      </a:solidFill>
+                      <a:prstDash val="solid"/>
+                      <a:round/>
+                      <a:headEnd type="none" w="sm" len="sm"/>
+                      <a:tailEnd type="none" w="sm" len="sm"/>
+                    </a:lnT>
+                    <a:lnB w="12700" cap="flat" cmpd="sng" algn="ctr">
+                      <a:solidFill>
+                        <a:schemeClr val="tx1"/>
+                      </a:solidFill>
+                      <a:prstDash val="solid"/>
+                      <a:round/>
+                      <a:headEnd type="none" w="sm" len="sm"/>
+                      <a:tailEnd type="none" w="sm" len="sm"/>
+                    </a:lnB>
+                    <a:lnTlToBr>
+                      <a:noFill/>
+                    </a:lnTlToBr>
+                    <a:lnBlToTr>
+                      <a:noFill/>
+                    </a:lnBlToTr>
+                    <a:solidFill>
+                      <a:schemeClr val="accent3">
+                        <a:lumMod val="75000"/>
+                      </a:schemeClr>
+                    </a:solidFill>
+                  </a:tcPr>
+                </a:tc>
+                <a:extLst>
+                  <a:ext uri="{0D108BD9-81ED-4DB2-BD59-A6C34878D82A}">
+                    <a16:rowId xmlns:a16="http://schemas.microsoft.com/office/drawing/2014/main" val="10000"/>
+                  </a:ext>
+                </a:extLst>
+              </a:tr>
+              <a:tr h="579438">
+                <a:tc>
+                  <a:txBody>
+                    <a:bodyPr/>
+                    <a:lstStyle/>
+                    <a:p>
+                      <a:pPr marL="0" marR="0" lvl="0" indent="0" algn="ctr" defTabSz="914400" rtl="0" eaLnBrk="1" fontAlgn="base" latinLnBrk="0" hangingPunct="1">
+                        <a:lnSpc>
+                          <a:spcPct val="100000"/>
+                        </a:lnSpc>
+                        <a:spcBef>
+                          <a:spcPct val="20000"/>
+                        </a:spcBef>
+                        <a:spcAft>
+                          <a:spcPct val="0"/>
+                        </a:spcAft>
+                        <a:buClrTx/>
+                        <a:buSzTx/>
+                        <a:buFontTx/>
+                        <a:buNone/>
+                        <a:tabLst/>
+                      </a:pPr>
+                      <a:r>
+                        <a:rPr kumimoji="0" lang="es-MX" sz="2400" b="0" i="0" u="none" strike="noStrike" cap="none" normalizeH="0" baseline="0" dirty="0" err="1">
+                          <a:ln>
+                            <a:noFill/>
+                          </a:ln>
+                          <a:solidFill>
+                            <a:schemeClr val="bg2">
+                              <a:lumMod val="25000"/>
+                            </a:schemeClr>
+                          </a:solidFill>
+                          <a:effectLst/>
+                          <a:latin typeface="Arial" pitchFamily="34" charset="0"/>
+                        </a:rPr>
+                        <a:t>char</a:t>
+                      </a:r>
+                      <a:endParaRPr kumimoji="0" lang="es-MX" sz="2400" b="0" i="0" u="none" strike="noStrike" cap="none" normalizeH="0" baseline="0" dirty="0">
+                        <a:ln>
+                          <a:noFill/>
+                        </a:ln>
+                        <a:solidFill>
+                          <a:schemeClr val="bg2">
+                            <a:lumMod val="25000"/>
+                          </a:schemeClr>
+                        </a:solidFill>
+                        <a:effectLst/>
+                        <a:latin typeface="Arial" pitchFamily="34" charset="0"/>
+                      </a:endParaRPr>
+                    </a:p>
+                  </a:txBody>
+                  <a:tcPr horzOverflow="overflow">
+                    <a:lnL w="28575" cap="flat" cmpd="sng" algn="ctr">
+                      <a:solidFill>
+                        <a:schemeClr val="tx1"/>
+                      </a:solidFill>
+                      <a:prstDash val="solid"/>
+                      <a:round/>
+                      <a:headEnd type="none" w="sm" len="sm"/>
+                      <a:tailEnd type="none" w="sm" len="sm"/>
+                    </a:lnL>
+                    <a:lnR w="12700" cap="flat" cmpd="sng" algn="ctr">
+                      <a:solidFill>
+                        <a:schemeClr val="tx1"/>
+                      </a:solidFill>
+                      <a:prstDash val="solid"/>
+                      <a:round/>
+                      <a:headEnd type="none" w="sm" len="sm"/>
+                      <a:tailEnd type="none" w="sm" len="sm"/>
+                    </a:lnR>
+                    <a:lnT w="12700" cap="flat" cmpd="sng" algn="ctr">
+                      <a:solidFill>
+                        <a:schemeClr val="tx1"/>
+                      </a:solidFill>
+                      <a:prstDash val="solid"/>
+                      <a:round/>
+                      <a:headEnd type="none" w="sm" len="sm"/>
+                      <a:tailEnd type="none" w="sm" len="sm"/>
+                    </a:lnT>
+                    <a:lnB w="12700" cap="flat" cmpd="sng" algn="ctr">
+                      <a:solidFill>
+                        <a:schemeClr val="tx1"/>
+                      </a:solidFill>
+                      <a:prstDash val="solid"/>
+                      <a:round/>
+                      <a:headEnd type="none" w="sm" len="sm"/>
+                      <a:tailEnd type="none" w="sm" len="sm"/>
+                    </a:lnB>
+                    <a:lnTlToBr>
+                      <a:noFill/>
+                    </a:lnTlToBr>
+                    <a:lnBlToTr>
+                      <a:noFill/>
+                    </a:lnBlToTr>
+                    <a:noFill/>
+                  </a:tcPr>
+                </a:tc>
+                <a:tc>
+                  <a:txBody>
+                    <a:bodyPr/>
+                    <a:lstStyle/>
+                    <a:p>
+                      <a:pPr marL="0" marR="0" lvl="0" indent="0" algn="ctr" defTabSz="914400" rtl="0" eaLnBrk="1" fontAlgn="base" latinLnBrk="0" hangingPunct="1">
+                        <a:lnSpc>
+                          <a:spcPct val="100000"/>
+                        </a:lnSpc>
+                        <a:spcBef>
+                          <a:spcPct val="20000"/>
+                        </a:spcBef>
+                        <a:spcAft>
+                          <a:spcPct val="0"/>
+                        </a:spcAft>
+                        <a:buClrTx/>
+                        <a:buSzTx/>
+                        <a:buFontTx/>
+                        <a:buNone/>
+                        <a:tabLst/>
+                      </a:pPr>
+                      <a:r>
+                        <a:rPr kumimoji="0" lang="es-MX" sz="2400" b="1" i="0" u="none" strike="noStrike" cap="none" normalizeH="0" baseline="0" dirty="0">
+                          <a:ln>
+                            <a:noFill/>
+                          </a:ln>
+                          <a:solidFill>
+                            <a:schemeClr val="bg2">
+                              <a:lumMod val="25000"/>
+                            </a:schemeClr>
+                          </a:solidFill>
+                          <a:effectLst/>
+                          <a:latin typeface="Arial" pitchFamily="34" charset="0"/>
+                        </a:rPr>
+                        <a:t>%c</a:t>
+                      </a:r>
+                    </a:p>
+                  </a:txBody>
+                  <a:tcPr horzOverflow="overflow">
+                    <a:lnL w="12700" cap="flat" cmpd="sng" algn="ctr">
+                      <a:solidFill>
+                        <a:schemeClr val="tx1"/>
+                      </a:solidFill>
+                      <a:prstDash val="solid"/>
+                      <a:round/>
+                      <a:headEnd type="none" w="sm" len="sm"/>
+                      <a:tailEnd type="none" w="sm" len="sm"/>
+                    </a:lnL>
+                    <a:lnR w="28575" cap="flat" cmpd="sng" algn="ctr">
+                      <a:solidFill>
+                        <a:schemeClr val="tx1"/>
+                      </a:solidFill>
+                      <a:prstDash val="solid"/>
+                      <a:round/>
+                      <a:headEnd type="none" w="sm" len="sm"/>
+                      <a:tailEnd type="none" w="sm" len="sm"/>
+                    </a:lnR>
+                    <a:lnT w="12700" cap="flat" cmpd="sng" algn="ctr">
+                      <a:solidFill>
+                        <a:schemeClr val="tx1"/>
+                      </a:solidFill>
+                      <a:prstDash val="solid"/>
+                      <a:round/>
+                      <a:headEnd type="none" w="sm" len="sm"/>
+                      <a:tailEnd type="none" w="sm" len="sm"/>
+                    </a:lnT>
+                    <a:lnB w="12700" cap="flat" cmpd="sng" algn="ctr">
+                      <a:solidFill>
+                        <a:schemeClr val="tx1"/>
+                      </a:solidFill>
+                      <a:prstDash val="solid"/>
+                      <a:round/>
+                      <a:headEnd type="none" w="sm" len="sm"/>
+                      <a:tailEnd type="none" w="sm" len="sm"/>
+                    </a:lnB>
+                    <a:lnTlToBr>
+                      <a:noFill/>
+                    </a:lnTlToBr>
+                    <a:lnBlToTr>
+                      <a:noFill/>
+                    </a:lnBlToTr>
+                    <a:noFill/>
+                  </a:tcPr>
+                </a:tc>
+                <a:extLst>
+                  <a:ext uri="{0D108BD9-81ED-4DB2-BD59-A6C34878D82A}">
+                    <a16:rowId xmlns:a16="http://schemas.microsoft.com/office/drawing/2014/main" val="10001"/>
+                  </a:ext>
+                </a:extLst>
+              </a:tr>
+              <a:tr h="581025">
+                <a:tc>
+                  <a:txBody>
+                    <a:bodyPr/>
+                    <a:lstStyle/>
+                    <a:p>
+                      <a:pPr marL="0" marR="0" lvl="0" indent="0" algn="ctr" defTabSz="914400" rtl="0" eaLnBrk="1" fontAlgn="base" latinLnBrk="0" hangingPunct="1">
+                        <a:lnSpc>
+                          <a:spcPct val="100000"/>
+                        </a:lnSpc>
+                        <a:spcBef>
+                          <a:spcPct val="20000"/>
+                        </a:spcBef>
+                        <a:spcAft>
+                          <a:spcPct val="0"/>
+                        </a:spcAft>
+                        <a:buClrTx/>
+                        <a:buSzTx/>
+                        <a:buFontTx/>
+                        <a:buNone/>
+                        <a:tabLst/>
+                      </a:pPr>
+                      <a:r>
+                        <a:rPr kumimoji="0" lang="es-MX" sz="2400" b="0" i="0" u="none" strike="noStrike" cap="none" normalizeH="0" baseline="0" dirty="0" err="1">
+                          <a:ln>
+                            <a:noFill/>
+                          </a:ln>
+                          <a:solidFill>
+                            <a:schemeClr val="bg2">
+                              <a:lumMod val="25000"/>
+                            </a:schemeClr>
+                          </a:solidFill>
+                          <a:effectLst/>
+                          <a:latin typeface="Arial" pitchFamily="34" charset="0"/>
+                        </a:rPr>
+                        <a:t>int</a:t>
+                      </a:r>
+                      <a:endParaRPr kumimoji="0" lang="es-MX" sz="2400" b="0" i="0" u="none" strike="noStrike" cap="none" normalizeH="0" baseline="0" dirty="0">
+                        <a:ln>
+                          <a:noFill/>
+                        </a:ln>
+                        <a:solidFill>
+                          <a:schemeClr val="bg2">
+                            <a:lumMod val="25000"/>
+                          </a:schemeClr>
+                        </a:solidFill>
+                        <a:effectLst/>
+                        <a:latin typeface="Arial" pitchFamily="34" charset="0"/>
+                      </a:endParaRPr>
+                    </a:p>
+                  </a:txBody>
+                  <a:tcPr horzOverflow="overflow">
+                    <a:lnL w="28575" cap="flat" cmpd="sng" algn="ctr">
+                      <a:solidFill>
+                        <a:schemeClr val="tx1"/>
+                      </a:solidFill>
+                      <a:prstDash val="solid"/>
+                      <a:round/>
+                      <a:headEnd type="none" w="sm" len="sm"/>
+                      <a:tailEnd type="none" w="sm" len="sm"/>
+                    </a:lnL>
+                    <a:lnR w="12700" cap="flat" cmpd="sng" algn="ctr">
+                      <a:solidFill>
+                        <a:schemeClr val="tx1"/>
+                      </a:solidFill>
+                      <a:prstDash val="solid"/>
+                      <a:round/>
+                      <a:headEnd type="none" w="sm" len="sm"/>
+                      <a:tailEnd type="none" w="sm" len="sm"/>
+                    </a:lnR>
+                    <a:lnT w="12700" cap="flat" cmpd="sng" algn="ctr">
+                      <a:solidFill>
+                        <a:schemeClr val="tx1"/>
+                      </a:solidFill>
+                      <a:prstDash val="solid"/>
+                      <a:round/>
+                      <a:headEnd type="none" w="sm" len="sm"/>
+                      <a:tailEnd type="none" w="sm" len="sm"/>
+                    </a:lnT>
+                    <a:lnB w="12700" cap="flat" cmpd="sng" algn="ctr">
+                      <a:solidFill>
+                        <a:schemeClr val="tx1"/>
+                      </a:solidFill>
+                      <a:prstDash val="solid"/>
+                      <a:round/>
+                      <a:headEnd type="none" w="sm" len="sm"/>
+                      <a:tailEnd type="none" w="sm" len="sm"/>
+                    </a:lnB>
+                    <a:lnTlToBr>
+                      <a:noFill/>
+                    </a:lnTlToBr>
+                    <a:lnBlToTr>
+                      <a:noFill/>
+                    </a:lnBlToTr>
+                    <a:noFill/>
+                  </a:tcPr>
+                </a:tc>
+                <a:tc>
+                  <a:txBody>
+                    <a:bodyPr/>
+                    <a:lstStyle/>
+                    <a:p>
+                      <a:pPr marL="0" marR="0" lvl="0" indent="0" algn="ctr" defTabSz="914400" rtl="0" eaLnBrk="1" fontAlgn="base" latinLnBrk="0" hangingPunct="1">
+                        <a:lnSpc>
+                          <a:spcPct val="100000"/>
+                        </a:lnSpc>
+                        <a:spcBef>
+                          <a:spcPct val="20000"/>
+                        </a:spcBef>
+                        <a:spcAft>
+                          <a:spcPct val="0"/>
+                        </a:spcAft>
+                        <a:buClrTx/>
+                        <a:buSzTx/>
+                        <a:buFontTx/>
+                        <a:buNone/>
+                        <a:tabLst/>
+                      </a:pPr>
+                      <a:r>
+                        <a:rPr kumimoji="0" lang="es-MX" sz="2400" b="1" i="0" u="none" strike="noStrike" cap="none" normalizeH="0" baseline="0" dirty="0">
+                          <a:ln>
+                            <a:noFill/>
+                          </a:ln>
+                          <a:solidFill>
+                            <a:schemeClr val="bg2">
+                              <a:lumMod val="25000"/>
+                            </a:schemeClr>
+                          </a:solidFill>
+                          <a:effectLst/>
+                          <a:latin typeface="Arial" pitchFamily="34" charset="0"/>
+                        </a:rPr>
+                        <a:t>%i</a:t>
+                      </a:r>
+                    </a:p>
+                  </a:txBody>
+                  <a:tcPr horzOverflow="overflow">
+                    <a:lnL w="12700" cap="flat" cmpd="sng" algn="ctr">
+                      <a:solidFill>
+                        <a:schemeClr val="tx1"/>
+                      </a:solidFill>
+                      <a:prstDash val="solid"/>
+                      <a:round/>
+                      <a:headEnd type="none" w="sm" len="sm"/>
+                      <a:tailEnd type="none" w="sm" len="sm"/>
+                    </a:lnL>
+                    <a:lnR w="28575" cap="flat" cmpd="sng" algn="ctr">
+                      <a:solidFill>
+                        <a:schemeClr val="tx1"/>
+                      </a:solidFill>
+                      <a:prstDash val="solid"/>
+                      <a:round/>
+                      <a:headEnd type="none" w="sm" len="sm"/>
+                      <a:tailEnd type="none" w="sm" len="sm"/>
+                    </a:lnR>
+                    <a:lnT w="12700" cap="flat" cmpd="sng" algn="ctr">
+                      <a:solidFill>
+                        <a:schemeClr val="tx1"/>
+                      </a:solidFill>
+                      <a:prstDash val="solid"/>
+                      <a:round/>
+                      <a:headEnd type="none" w="sm" len="sm"/>
+                      <a:tailEnd type="none" w="sm" len="sm"/>
+                    </a:lnT>
+                    <a:lnB w="12700" cap="flat" cmpd="sng" algn="ctr">
+                      <a:solidFill>
+                        <a:schemeClr val="tx1"/>
+                      </a:solidFill>
+                      <a:prstDash val="solid"/>
+                      <a:round/>
+                      <a:headEnd type="none" w="sm" len="sm"/>
+                      <a:tailEnd type="none" w="sm" len="sm"/>
+                    </a:lnB>
+                    <a:lnTlToBr>
+                      <a:noFill/>
+                    </a:lnTlToBr>
+                    <a:lnBlToTr>
+                      <a:noFill/>
+                    </a:lnBlToTr>
+                    <a:noFill/>
+                  </a:tcPr>
+                </a:tc>
+                <a:extLst>
+                  <a:ext uri="{0D108BD9-81ED-4DB2-BD59-A6C34878D82A}">
+                    <a16:rowId xmlns:a16="http://schemas.microsoft.com/office/drawing/2014/main" val="10002"/>
+                  </a:ext>
+                </a:extLst>
+              </a:tr>
+              <a:tr h="581025">
+                <a:tc>
+                  <a:txBody>
+                    <a:bodyPr/>
+                    <a:lstStyle/>
+                    <a:p>
+                      <a:pPr marL="0" marR="0" lvl="0" indent="0" algn="ctr" defTabSz="914400" rtl="0" eaLnBrk="1" fontAlgn="base" latinLnBrk="0" hangingPunct="1">
+                        <a:lnSpc>
+                          <a:spcPct val="100000"/>
+                        </a:lnSpc>
+                        <a:spcBef>
+                          <a:spcPct val="20000"/>
+                        </a:spcBef>
+                        <a:spcAft>
+                          <a:spcPct val="0"/>
+                        </a:spcAft>
+                        <a:buClrTx/>
+                        <a:buSzTx/>
+                        <a:buFontTx/>
+                        <a:buNone/>
+                        <a:tabLst/>
+                      </a:pPr>
+                      <a:r>
+                        <a:rPr kumimoji="0" lang="es-MX" sz="2400" b="0" i="0" u="none" strike="noStrike" cap="none" normalizeH="0" baseline="0">
+                          <a:ln>
+                            <a:noFill/>
+                          </a:ln>
+                          <a:solidFill>
+                            <a:schemeClr val="bg2">
+                              <a:lumMod val="25000"/>
+                            </a:schemeClr>
+                          </a:solidFill>
+                          <a:effectLst/>
+                          <a:latin typeface="Arial" pitchFamily="34" charset="0"/>
+                        </a:rPr>
+                        <a:t>float</a:t>
+                      </a:r>
+                    </a:p>
+                  </a:txBody>
+                  <a:tcPr horzOverflow="overflow">
+                    <a:lnL w="28575" cap="flat" cmpd="sng" algn="ctr">
+                      <a:solidFill>
+                        <a:schemeClr val="tx1"/>
+                      </a:solidFill>
+                      <a:prstDash val="solid"/>
+                      <a:round/>
+                      <a:headEnd type="none" w="sm" len="sm"/>
+                      <a:tailEnd type="none" w="sm" len="sm"/>
+                    </a:lnL>
+                    <a:lnR w="12700" cap="flat" cmpd="sng" algn="ctr">
+                      <a:solidFill>
+                        <a:schemeClr val="tx1"/>
+                      </a:solidFill>
+                      <a:prstDash val="solid"/>
+                      <a:round/>
+                      <a:headEnd type="none" w="sm" len="sm"/>
+                      <a:tailEnd type="none" w="sm" len="sm"/>
+                    </a:lnR>
+                    <a:lnT w="12700" cap="flat" cmpd="sng" algn="ctr">
+                      <a:solidFill>
+                        <a:schemeClr val="tx1"/>
+                      </a:solidFill>
+                      <a:prstDash val="solid"/>
+                      <a:round/>
+                      <a:headEnd type="none" w="sm" len="sm"/>
+                      <a:tailEnd type="none" w="sm" len="sm"/>
+                    </a:lnT>
+                    <a:lnB w="12700" cap="flat" cmpd="sng" algn="ctr">
+                      <a:solidFill>
+                        <a:schemeClr val="tx1"/>
+                      </a:solidFill>
+                      <a:prstDash val="solid"/>
+                      <a:round/>
+                      <a:headEnd type="none" w="sm" len="sm"/>
+                      <a:tailEnd type="none" w="sm" len="sm"/>
+                    </a:lnB>
+                    <a:lnTlToBr>
+                      <a:noFill/>
+                    </a:lnTlToBr>
+                    <a:lnBlToTr>
+                      <a:noFill/>
+                    </a:lnBlToTr>
+                    <a:noFill/>
+                  </a:tcPr>
+                </a:tc>
+                <a:tc>
+                  <a:txBody>
+                    <a:bodyPr/>
+                    <a:lstStyle/>
+                    <a:p>
+                      <a:pPr marL="0" marR="0" lvl="0" indent="0" algn="ctr" defTabSz="914400" rtl="0" eaLnBrk="1" fontAlgn="base" latinLnBrk="0" hangingPunct="1">
+                        <a:lnSpc>
+                          <a:spcPct val="100000"/>
+                        </a:lnSpc>
+                        <a:spcBef>
+                          <a:spcPct val="20000"/>
+                        </a:spcBef>
+                        <a:spcAft>
+                          <a:spcPct val="0"/>
+                        </a:spcAft>
+                        <a:buClrTx/>
+                        <a:buSzTx/>
+                        <a:buFontTx/>
+                        <a:buNone/>
+                        <a:tabLst/>
+                      </a:pPr>
+                      <a:r>
+                        <a:rPr kumimoji="0" lang="es-MX" sz="2400" b="1" i="0" u="none" strike="noStrike" cap="none" normalizeH="0" baseline="0" dirty="0">
+                          <a:ln>
+                            <a:noFill/>
+                          </a:ln>
+                          <a:solidFill>
+                            <a:schemeClr val="bg2">
+                              <a:lumMod val="25000"/>
+                            </a:schemeClr>
+                          </a:solidFill>
+                          <a:effectLst/>
+                          <a:latin typeface="Arial" pitchFamily="34" charset="0"/>
+                        </a:rPr>
+                        <a:t>%f</a:t>
+                      </a:r>
+                    </a:p>
+                  </a:txBody>
+                  <a:tcPr horzOverflow="overflow">
+                    <a:lnL w="12700" cap="flat" cmpd="sng" algn="ctr">
+                      <a:solidFill>
+                        <a:schemeClr val="tx1"/>
+                      </a:solidFill>
+                      <a:prstDash val="solid"/>
+                      <a:round/>
+                      <a:headEnd type="none" w="sm" len="sm"/>
+                      <a:tailEnd type="none" w="sm" len="sm"/>
+                    </a:lnL>
+                    <a:lnR w="28575" cap="flat" cmpd="sng" algn="ctr">
+                      <a:solidFill>
+                        <a:schemeClr val="tx1"/>
+                      </a:solidFill>
+                      <a:prstDash val="solid"/>
+                      <a:round/>
+                      <a:headEnd type="none" w="sm" len="sm"/>
+                      <a:tailEnd type="none" w="sm" len="sm"/>
+                    </a:lnR>
+                    <a:lnT w="12700" cap="flat" cmpd="sng" algn="ctr">
+                      <a:solidFill>
+                        <a:schemeClr val="tx1"/>
+                      </a:solidFill>
+                      <a:prstDash val="solid"/>
+                      <a:round/>
+                      <a:headEnd type="none" w="sm" len="sm"/>
+                      <a:tailEnd type="none" w="sm" len="sm"/>
+                    </a:lnT>
+                    <a:lnB w="12700" cap="flat" cmpd="sng" algn="ctr">
+                      <a:solidFill>
+                        <a:schemeClr val="tx1"/>
+                      </a:solidFill>
+                      <a:prstDash val="solid"/>
+                      <a:round/>
+                      <a:headEnd type="none" w="sm" len="sm"/>
+                      <a:tailEnd type="none" w="sm" len="sm"/>
+                    </a:lnB>
+                    <a:lnTlToBr>
+                      <a:noFill/>
+                    </a:lnTlToBr>
+                    <a:lnBlToTr>
+                      <a:noFill/>
+                    </a:lnBlToTr>
+                    <a:noFill/>
+                  </a:tcPr>
+                </a:tc>
+                <a:extLst>
+                  <a:ext uri="{0D108BD9-81ED-4DB2-BD59-A6C34878D82A}">
+                    <a16:rowId xmlns:a16="http://schemas.microsoft.com/office/drawing/2014/main" val="10004"/>
+                  </a:ext>
+                </a:extLst>
+              </a:tr>
+              <a:tr h="581025">
+                <a:tc>
+                  <a:txBody>
+                    <a:bodyPr/>
+                    <a:lstStyle/>
+                    <a:p>
+                      <a:pPr marL="0" marR="0" lvl="0" indent="0" algn="ctr" defTabSz="914400" rtl="0" eaLnBrk="1" fontAlgn="base" latinLnBrk="0" hangingPunct="1">
+                        <a:lnSpc>
+                          <a:spcPct val="100000"/>
+                        </a:lnSpc>
+                        <a:spcBef>
+                          <a:spcPct val="20000"/>
+                        </a:spcBef>
+                        <a:spcAft>
+                          <a:spcPct val="0"/>
+                        </a:spcAft>
+                        <a:buClrTx/>
+                        <a:buSzTx/>
+                        <a:buFontTx/>
+                        <a:buNone/>
+                        <a:tabLst/>
+                      </a:pPr>
+                      <a:r>
+                        <a:rPr kumimoji="0" lang="es-MX" sz="2400" b="0" i="0" u="none" strike="noStrike" cap="none" normalizeH="0" baseline="0" dirty="0">
+                          <a:ln>
+                            <a:noFill/>
+                          </a:ln>
+                          <a:solidFill>
+                            <a:schemeClr val="bg2">
+                              <a:lumMod val="25000"/>
+                            </a:schemeClr>
+                          </a:solidFill>
+                          <a:effectLst/>
+                          <a:latin typeface="Arial" pitchFamily="34" charset="0"/>
+                        </a:rPr>
+                        <a:t>Cadena de caracteres</a:t>
+                      </a:r>
+                    </a:p>
+                  </a:txBody>
+                  <a:tcPr horzOverflow="overflow">
+                    <a:lnL w="28575" cap="flat" cmpd="sng" algn="ctr">
+                      <a:solidFill>
+                        <a:schemeClr val="tx1"/>
+                      </a:solidFill>
+                      <a:prstDash val="solid"/>
+                      <a:round/>
+                      <a:headEnd type="none" w="sm" len="sm"/>
+                      <a:tailEnd type="none" w="sm" len="sm"/>
+                    </a:lnL>
+                    <a:lnR w="12700" cap="flat" cmpd="sng" algn="ctr">
+                      <a:solidFill>
+                        <a:schemeClr val="tx1"/>
+                      </a:solidFill>
+                      <a:prstDash val="solid"/>
+                      <a:round/>
+                      <a:headEnd type="none" w="sm" len="sm"/>
+                      <a:tailEnd type="none" w="sm" len="sm"/>
+                    </a:lnR>
+                    <a:lnT w="12700" cap="flat" cmpd="sng" algn="ctr">
+                      <a:solidFill>
+                        <a:schemeClr val="tx1"/>
+                      </a:solidFill>
+                      <a:prstDash val="solid"/>
+                      <a:round/>
+                      <a:headEnd type="none" w="sm" len="sm"/>
+                      <a:tailEnd type="none" w="sm" len="sm"/>
+                    </a:lnT>
+                    <a:lnB w="28575" cap="flat" cmpd="sng" algn="ctr">
+                      <a:solidFill>
+                        <a:schemeClr val="tx1"/>
+                      </a:solidFill>
+                      <a:prstDash val="solid"/>
+                      <a:round/>
+                      <a:headEnd type="none" w="sm" len="sm"/>
+                      <a:tailEnd type="none" w="sm" len="sm"/>
+                    </a:lnB>
+                    <a:lnTlToBr>
+                      <a:noFill/>
+                    </a:lnTlToBr>
+                    <a:lnBlToTr>
+                      <a:noFill/>
+                    </a:lnBlToTr>
+                    <a:noFill/>
+                  </a:tcPr>
+                </a:tc>
+                <a:tc>
+                  <a:txBody>
+                    <a:bodyPr/>
+                    <a:lstStyle/>
+                    <a:p>
+                      <a:pPr marL="0" marR="0" lvl="0" indent="0" algn="ctr" defTabSz="914400" rtl="0" eaLnBrk="1" fontAlgn="base" latinLnBrk="0" hangingPunct="1">
+                        <a:lnSpc>
+                          <a:spcPct val="100000"/>
+                        </a:lnSpc>
+                        <a:spcBef>
+                          <a:spcPct val="20000"/>
+                        </a:spcBef>
+                        <a:spcAft>
+                          <a:spcPct val="0"/>
+                        </a:spcAft>
+                        <a:buClrTx/>
+                        <a:buSzTx/>
+                        <a:buFontTx/>
+                        <a:buNone/>
+                        <a:tabLst/>
+                      </a:pPr>
+                      <a:r>
+                        <a:rPr kumimoji="0" lang="es-MX" sz="2400" b="1" i="0" u="none" strike="noStrike" cap="none" normalizeH="0" baseline="0" dirty="0">
+                          <a:ln>
+                            <a:noFill/>
+                          </a:ln>
+                          <a:solidFill>
+                            <a:schemeClr val="bg2">
+                              <a:lumMod val="25000"/>
+                            </a:schemeClr>
+                          </a:solidFill>
+                          <a:effectLst/>
+                          <a:latin typeface="Arial" pitchFamily="34" charset="0"/>
+                        </a:rPr>
+                        <a:t>%s</a:t>
+                      </a:r>
+                    </a:p>
+                  </a:txBody>
+                  <a:tcPr horzOverflow="overflow">
+                    <a:lnL w="12700" cap="flat" cmpd="sng" algn="ctr">
+                      <a:solidFill>
+                        <a:schemeClr val="tx1"/>
+                      </a:solidFill>
+                      <a:prstDash val="solid"/>
+                      <a:round/>
+                      <a:headEnd type="none" w="sm" len="sm"/>
+                      <a:tailEnd type="none" w="sm" len="sm"/>
+                    </a:lnL>
+                    <a:lnR w="28575" cap="flat" cmpd="sng" algn="ctr">
+                      <a:solidFill>
+                        <a:schemeClr val="tx1"/>
+                      </a:solidFill>
+                      <a:prstDash val="solid"/>
+                      <a:round/>
+                      <a:headEnd type="none" w="sm" len="sm"/>
+                      <a:tailEnd type="none" w="sm" len="sm"/>
+                    </a:lnR>
+                    <a:lnT w="12700" cap="flat" cmpd="sng" algn="ctr">
+                      <a:solidFill>
+                        <a:schemeClr val="tx1"/>
+                      </a:solidFill>
+                      <a:prstDash val="solid"/>
+                      <a:round/>
+                      <a:headEnd type="none" w="sm" len="sm"/>
+                      <a:tailEnd type="none" w="sm" len="sm"/>
+                    </a:lnT>
+                    <a:lnB w="28575" cap="flat" cmpd="sng" algn="ctr">
+                      <a:solidFill>
+                        <a:schemeClr val="tx1"/>
+                      </a:solidFill>
+                      <a:prstDash val="solid"/>
+                      <a:round/>
+                      <a:headEnd type="none" w="sm" len="sm"/>
+                      <a:tailEnd type="none" w="sm" len="sm"/>
+                    </a:lnB>
+                    <a:lnTlToBr>
+                      <a:noFill/>
+                    </a:lnTlToBr>
+                    <a:lnBlToTr>
+                      <a:noFill/>
+                    </a:lnBlToTr>
+                    <a:noFill/>
+                  </a:tcPr>
+                </a:tc>
+                <a:extLst>
+                  <a:ext uri="{0D108BD9-81ED-4DB2-BD59-A6C34878D82A}">
+                    <a16:rowId xmlns:a16="http://schemas.microsoft.com/office/drawing/2014/main" val="10006"/>
+                  </a:ext>
+                </a:extLst>
+              </a:tr>
+            </a:tbl>
+          </a:graphicData>
+        </a:graphic>
+      </p:graphicFrame>
+      <p:sp>
+        <p:nvSpPr>
+          <p:cNvPr id="4" name="Rectangle 9">
+            <a:extLst>
+              <a:ext uri="{FF2B5EF4-FFF2-40B4-BE49-F238E27FC236}">
+                <a16:creationId xmlns:a16="http://schemas.microsoft.com/office/drawing/2014/main" id="{602046A5-855A-498B-A9EE-F925E755D42A}"/>
+              </a:ext>
+            </a:extLst>
+          </p:cNvPr>
+          <p:cNvSpPr>
+            <a:spLocks noChangeArrowheads="1"/>
+          </p:cNvSpPr>
+          <p:nvPr/>
+        </p:nvSpPr>
+        <p:spPr bwMode="auto">
+          <a:xfrm>
+            <a:off x="467544" y="476672"/>
+            <a:ext cx="8334375" cy="1143000"/>
+          </a:xfrm>
+          <a:prstGeom prst="rect">
+            <a:avLst/>
+          </a:prstGeom>
+          <a:noFill/>
+          <a:ln w="9525">
+            <a:noFill/>
+            <a:miter lim="800000"/>
+            <a:headEnd/>
+            <a:tailEnd/>
+          </a:ln>
+          <a:effectLst/>
+        </p:spPr>
+        <p:txBody>
+          <a:bodyPr lIns="92075" tIns="46038" rIns="92075" bIns="46038" anchor="ctr"/>
+          <a:lstStyle/>
+          <a:p>
+            <a:pPr algn="ctr" eaLnBrk="0" hangingPunct="0"/>
+            <a:r>
+              <a:rPr lang="es-ES" sz="4400" b="1" dirty="0">
+                <a:solidFill>
+                  <a:schemeClr val="accent4">
+                    <a:lumMod val="50000"/>
+                  </a:schemeClr>
+                </a:solidFill>
+                <a:effectLst>
+                  <a:outerShdw blurRad="38100" dist="38100" dir="2700000" algn="tl">
+                    <a:srgbClr val="C0C0C0"/>
+                  </a:outerShdw>
+                </a:effectLst>
+              </a:rPr>
+              <a:t>Escritura de variables</a:t>
+            </a:r>
+          </a:p>
+          <a:p>
+            <a:pPr algn="ctr" eaLnBrk="0" hangingPunct="0"/>
+            <a:r>
+              <a:rPr lang="es-ES" sz="3200" b="1" dirty="0">
+                <a:solidFill>
+                  <a:schemeClr val="accent6">
+                    <a:lumMod val="75000"/>
+                  </a:schemeClr>
+                </a:solidFill>
+                <a:effectLst>
+                  <a:outerShdw blurRad="38100" dist="38100" dir="2700000" algn="tl">
+                    <a:srgbClr val="C0C0C0"/>
+                  </a:outerShdw>
+                </a:effectLst>
+              </a:rPr>
+              <a:t>Caracteres de sustitución</a:t>
+            </a:r>
+            <a:endParaRPr lang="es-ES_tradnl" sz="3200" b="1" dirty="0">
+              <a:solidFill>
+                <a:schemeClr val="accent6">
+                  <a:lumMod val="75000"/>
+                </a:schemeClr>
+              </a:solidFill>
+              <a:effectLst>
+                <a:outerShdw blurRad="38100" dist="38100" dir="2700000" algn="tl">
+                  <a:srgbClr val="C0C0C0"/>
+                </a:outerShdw>
+              </a:effectLst>
+            </a:endParaRPr>
+          </a:p>
+        </p:txBody>
+      </p:sp>
+    </p:spTree>
+    <p:extLst>
+      <p:ext uri="{BB962C8B-B14F-4D97-AF65-F5344CB8AC3E}">
+        <p14:creationId xmlns:p14="http://schemas.microsoft.com/office/powerpoint/2010/main" val="3242585200"/>
+      </p:ext>
+    </p:extLst>
+  </p:cSld>
+  <p:clrMapOvr>
+    <a:masterClrMapping/>
+  </p:clrMapOvr>
+  <p:timing>
+    <p:tnLst>
+      <p:par>
+        <p:cTn id="1" dur="indefinite" restart="never" nodeType="tmRoot">
+          <p:childTnLst>
+            <p:seq concurrent="1" nextAc="seek">
+              <p:cTn id="2" dur="indefinite" nodeType="mainSeq">
+                <p:childTnLst>
+                  <p:par>
+                    <p:cTn id="3" fill="hold">
+                      <p:stCondLst>
+                        <p:cond delay="indefinite"/>
+                      </p:stCondLst>
+                      <p:childTnLst>
+                        <p:par>
+                          <p:cTn id="4" fill="hold">
+                            <p:stCondLst>
+                              <p:cond delay="0"/>
+                            </p:stCondLst>
+                            <p:childTnLst>
+                              <p:par>
+                                <p:cTn id="5" presetID="1" presetClass="entr" presetSubtype="0" fill="hold" nodeType="clickEffect">
+                                  <p:stCondLst>
+                                    <p:cond delay="0"/>
+                                  </p:stCondLst>
+                                  <p:childTnLst>
+                                    <p:set>
+                                      <p:cBhvr>
+                                        <p:cTn id="6" dur="1" fill="hold">
+                                          <p:stCondLst>
+                                            <p:cond delay="0"/>
+                                          </p:stCondLst>
+                                        </p:cTn>
+                                        <p:tgtEl>
+                                          <p:spTgt spid="91190"/>
+                                        </p:tgtEl>
+                                        <p:attrNameLst>
+                                          <p:attrName>style.visibility</p:attrName>
+                                        </p:attrNameLst>
+                                      </p:cBhvr>
+                                      <p:to>
+                                        <p:strVal val="visible"/>
+                                      </p:to>
+                                    </p:set>
+                                  </p:childTnLst>
+                                </p:cTn>
+                              </p:par>
+                            </p:childTnLst>
+                          </p:cTn>
+                        </p:par>
+                      </p:childTnLst>
+                    </p:cTn>
+                  </p:par>
+                  <p:par>
+                    <p:cTn id="7" fill="hold">
+                      <p:stCondLst>
+                        <p:cond delay="indefinite"/>
+                      </p:stCondLst>
+                      <p:childTnLst>
+                        <p:par>
+                          <p:cTn id="8" fill="hold">
+                            <p:stCondLst>
+                              <p:cond delay="0"/>
+                            </p:stCondLst>
+                            <p:childTnLst>
+                              <p:par>
+                                <p:cTn id="9" presetID="24" presetClass="entr" presetSubtype="0" fill="hold" grpId="0" nodeType="clickEffect">
+                                  <p:stCondLst>
+                                    <p:cond delay="0"/>
+                                  </p:stCondLst>
+                                  <p:childTnLst>
+                                    <p:set>
+                                      <p:cBhvr>
+                                        <p:cTn id="10" dur="1" fill="hold">
+                                          <p:stCondLst>
+                                            <p:cond delay="499"/>
+                                          </p:stCondLst>
+                                        </p:cTn>
+                                        <p:tgtEl>
+                                          <p:spTgt spid="4"/>
+                                        </p:tgtEl>
+                                        <p:attrNameLst>
+                                          <p:attrName>style.visibility</p:attrName>
+                                        </p:attrNameLst>
+                                      </p:cBhvr>
+                                      <p:to>
+                                        <p:strVal val="visible"/>
+                                      </p:to>
+                                    </p:set>
+                                    <p:anim to="" calcmode="lin" valueType="num">
+                                      <p:cBhvr>
+                                        <p:cTn id="11" dur="1" fill="hold"/>
+                                        <p:tgtEl>
+                                          <p:spTgt spid="4"/>
+                                        </p:tgtEl>
+                                        <p:attrNameLst>
+                                          <p:attrName/>
+                                        </p:attrNameLst>
+                                      </p:cBhvr>
+                                    </p:anim>
+                                  </p:childTnLst>
+                                </p:cTn>
+                              </p:par>
+                            </p:childTnLst>
+                          </p:cTn>
+                        </p:par>
+                      </p:childTnLst>
+                    </p:cTn>
+                  </p:par>
+                </p:childTnLst>
+              </p:cTn>
+              <p:prevCondLst>
+                <p:cond evt="onPrev" delay="0">
+                  <p:tgtEl>
+                    <p:sldTgt/>
+                  </p:tgtEl>
+                </p:cond>
+              </p:prevCondLst>
+              <p:nextCondLst>
+                <p:cond evt="onNext" delay="0">
+                  <p:tgtEl>
+                    <p:sldTgt/>
+                  </p:tgtEl>
+                </p:cond>
+              </p:nextCondLst>
+            </p:seq>
+          </p:childTnLst>
+        </p:cTn>
+      </p:par>
+    </p:tnLst>
+    <p:bldLst>
+      <p:bldP spid="4" grpId="0" autoUpdateAnimBg="0"/>
+    </p:bldLst>
+  </p:timing>
+</p:sld>
+</file>
+
+<file path=ppt/slides/slide19.xml><?xml version="1.0" encoding="utf-8"?>
+<p:sld xmlns:a="http://schemas.openxmlformats.org/drawingml/2006/main" xmlns:r="http://schemas.openxmlformats.org/officeDocument/2006/relationships" xmlns:p="http://schemas.openxmlformats.org/presentationml/2006/main">
+  <p:cSld>
+    <p:spTree>
+      <p:nvGrpSpPr>
+        <p:cNvPr id="1" name=""/>
+        <p:cNvGrpSpPr/>
+        <p:nvPr/>
+      </p:nvGrpSpPr>
+      <p:grpSpPr>
+        <a:xfrm>
+          <a:off x="0" y="0"/>
+          <a:ext cx="0" cy="0"/>
+          <a:chOff x="0" y="0"/>
+          <a:chExt cx="0" cy="0"/>
+        </a:xfrm>
+      </p:grpSpPr>
+      <p:sp>
+        <p:nvSpPr>
+          <p:cNvPr id="92163" name="Text Box 3"/>
+          <p:cNvSpPr txBox="1">
+            <a:spLocks noChangeArrowheads="1"/>
+          </p:cNvSpPr>
+          <p:nvPr/>
+        </p:nvSpPr>
+        <p:spPr bwMode="auto">
+          <a:xfrm>
+            <a:off x="936259" y="3413742"/>
+            <a:ext cx="3195491" cy="461665"/>
+          </a:xfrm>
+          <a:prstGeom prst="rect">
+            <a:avLst/>
+          </a:prstGeom>
+          <a:noFill/>
+          <a:ln w="12700">
+            <a:noFill/>
+            <a:miter lim="800000"/>
+            <a:headEnd type="none" w="sm" len="sm"/>
+            <a:tailEnd type="none" w="sm" len="sm"/>
+          </a:ln>
+          <a:effectLst/>
+        </p:spPr>
+        <p:txBody>
+          <a:bodyPr wrap="none">
+            <a:spAutoFit/>
+          </a:bodyPr>
+          <a:lstStyle/>
+          <a:p>
+            <a:pPr algn="ctr" defTabSz="762000" eaLnBrk="0" hangingPunct="0"/>
+            <a:r>
+              <a:rPr lang="es-ES" sz="2400" dirty="0" err="1">
+                <a:latin typeface="Times New Roman" pitchFamily="18" charset="0"/>
+              </a:rPr>
+              <a:t>print</a:t>
+            </a:r>
+            <a:r>
+              <a:rPr lang="es-ES" sz="2400" dirty="0">
+                <a:latin typeface="Times New Roman" pitchFamily="18" charset="0"/>
+              </a:rPr>
+              <a:t> ("</a:t>
+            </a:r>
+            <a:r>
+              <a:rPr lang="es-ES" sz="2400" b="1" dirty="0">
+                <a:solidFill>
+                  <a:srgbClr val="FF0000"/>
+                </a:solidFill>
+                <a:latin typeface="Times New Roman" pitchFamily="18" charset="0"/>
+              </a:rPr>
+              <a:t>%i</a:t>
+            </a:r>
+            <a:r>
+              <a:rPr lang="es-ES" sz="2400" dirty="0">
+                <a:latin typeface="Times New Roman" pitchFamily="18" charset="0"/>
+              </a:rPr>
+              <a:t>"  % </a:t>
+            </a:r>
+            <a:r>
+              <a:rPr lang="es-ES" sz="2400" dirty="0">
+                <a:solidFill>
+                  <a:srgbClr val="3333CC"/>
+                </a:solidFill>
+                <a:latin typeface="Times New Roman" pitchFamily="18" charset="0"/>
+              </a:rPr>
+              <a:t>Variable</a:t>
+            </a:r>
+            <a:r>
+              <a:rPr lang="es-ES" sz="2400" dirty="0">
+                <a:latin typeface="Times New Roman" pitchFamily="18" charset="0"/>
+              </a:rPr>
+              <a:t>)</a:t>
+            </a:r>
+          </a:p>
+        </p:txBody>
+      </p:sp>
+      <p:sp>
+        <p:nvSpPr>
+          <p:cNvPr id="92167" name="WordArt 7"/>
+          <p:cNvSpPr>
+            <a:spLocks noChangeArrowheads="1" noChangeShapeType="1" noTextEdit="1"/>
+          </p:cNvSpPr>
+          <p:nvPr/>
+        </p:nvSpPr>
+        <p:spPr bwMode="auto">
+          <a:xfrm>
+            <a:off x="1783414" y="2528316"/>
+            <a:ext cx="990600" cy="571500"/>
+          </a:xfrm>
+          <a:prstGeom prst="rect">
+            <a:avLst/>
+          </a:prstGeom>
+        </p:spPr>
+        <p:txBody>
+          <a:bodyPr wrap="none" fromWordArt="1">
+            <a:prstTxWarp prst="textPlain">
+              <a:avLst>
+                <a:gd name="adj" fmla="val 50000"/>
+              </a:avLst>
+            </a:prstTxWarp>
+          </a:bodyPr>
+          <a:lstStyle/>
+          <a:p>
+            <a:pPr algn="ctr"/>
+            <a:r>
+              <a:rPr lang="es-MX" sz="3600" kern="10">
+                <a:ln w="19050">
+                  <a:solidFill>
+                    <a:srgbClr val="99CCFF"/>
+                  </a:solidFill>
+                  <a:round/>
+                  <a:headEnd type="none" w="sm" len="sm"/>
+                  <a:tailEnd type="none" w="sm" len="sm"/>
+                </a:ln>
+                <a:solidFill>
+                  <a:srgbClr val="0066CC"/>
+                </a:solidFill>
+                <a:effectLst>
+                  <a:outerShdw dist="35921" dir="2700000" algn="ctr" rotWithShape="0">
+                    <a:srgbClr val="990000"/>
+                  </a:outerShdw>
+                </a:effectLst>
+                <a:latin typeface="Impact"/>
+              </a:rPr>
+              <a:t>int</a:t>
+            </a:r>
+          </a:p>
+        </p:txBody>
+      </p:sp>
+      <p:sp>
+        <p:nvSpPr>
+          <p:cNvPr id="92168" name="WordArt 8"/>
+          <p:cNvSpPr>
+            <a:spLocks noChangeArrowheads="1" noChangeShapeType="1" noTextEdit="1"/>
+          </p:cNvSpPr>
+          <p:nvPr/>
+        </p:nvSpPr>
+        <p:spPr bwMode="auto">
+          <a:xfrm>
+            <a:off x="6156176" y="2636912"/>
+            <a:ext cx="990600" cy="571500"/>
+          </a:xfrm>
+          <a:prstGeom prst="rect">
+            <a:avLst/>
+          </a:prstGeom>
+        </p:spPr>
+        <p:txBody>
+          <a:bodyPr wrap="none" fromWordArt="1">
+            <a:prstTxWarp prst="textPlain">
+              <a:avLst>
+                <a:gd name="adj" fmla="val 50000"/>
+              </a:avLst>
+            </a:prstTxWarp>
+          </a:bodyPr>
+          <a:lstStyle/>
+          <a:p>
+            <a:pPr algn="ctr"/>
+            <a:r>
+              <a:rPr lang="es-MX" sz="3600" kern="10">
+                <a:ln w="19050">
+                  <a:solidFill>
+                    <a:srgbClr val="99CCFF"/>
+                  </a:solidFill>
+                  <a:round/>
+                  <a:headEnd type="none" w="sm" len="sm"/>
+                  <a:tailEnd type="none" w="sm" len="sm"/>
+                </a:ln>
+                <a:solidFill>
+                  <a:srgbClr val="0066CC"/>
+                </a:solidFill>
+                <a:effectLst>
+                  <a:outerShdw dist="35921" dir="2700000" algn="ctr" rotWithShape="0">
+                    <a:srgbClr val="990000"/>
+                  </a:outerShdw>
+                </a:effectLst>
+                <a:latin typeface="Impact"/>
+              </a:rPr>
+              <a:t>float</a:t>
+            </a:r>
+          </a:p>
+        </p:txBody>
+      </p:sp>
+      <p:sp>
+        <p:nvSpPr>
+          <p:cNvPr id="12" name="Text Box 3">
+            <a:extLst>
+              <a:ext uri="{FF2B5EF4-FFF2-40B4-BE49-F238E27FC236}">
+                <a16:creationId xmlns:a16="http://schemas.microsoft.com/office/drawing/2014/main" id="{E0749E39-A9AF-4615-901D-EF08CAE19ED4}"/>
+              </a:ext>
+            </a:extLst>
+          </p:cNvPr>
+          <p:cNvSpPr txBox="1">
+            <a:spLocks noChangeArrowheads="1"/>
+          </p:cNvSpPr>
+          <p:nvPr/>
+        </p:nvSpPr>
+        <p:spPr bwMode="auto">
+          <a:xfrm>
+            <a:off x="5147061" y="3459288"/>
+            <a:ext cx="3367012" cy="461665"/>
+          </a:xfrm>
+          <a:prstGeom prst="rect">
+            <a:avLst/>
+          </a:prstGeom>
+          <a:noFill/>
+          <a:ln w="12700">
+            <a:noFill/>
+            <a:miter lim="800000"/>
+            <a:headEnd type="none" w="sm" len="sm"/>
+            <a:tailEnd type="none" w="sm" len="sm"/>
+          </a:ln>
+          <a:effectLst/>
+        </p:spPr>
+        <p:txBody>
+          <a:bodyPr wrap="none">
+            <a:spAutoFit/>
+          </a:bodyPr>
+          <a:lstStyle/>
+          <a:p>
+            <a:pPr algn="ctr" defTabSz="762000" eaLnBrk="0" hangingPunct="0"/>
+            <a:r>
+              <a:rPr lang="es-ES" sz="2400" dirty="0" err="1">
+                <a:latin typeface="Times New Roman" pitchFamily="18" charset="0"/>
+              </a:rPr>
+              <a:t>print</a:t>
+            </a:r>
+            <a:r>
+              <a:rPr lang="es-ES" sz="2400" dirty="0">
+                <a:latin typeface="Times New Roman" pitchFamily="18" charset="0"/>
+              </a:rPr>
+              <a:t> ("</a:t>
+            </a:r>
+            <a:r>
+              <a:rPr lang="es-ES" sz="2400" b="1" dirty="0">
+                <a:solidFill>
+                  <a:srgbClr val="FF0000"/>
+                </a:solidFill>
+                <a:latin typeface="Times New Roman" pitchFamily="18" charset="0"/>
+              </a:rPr>
+              <a:t>%f </a:t>
+            </a:r>
+            <a:r>
+              <a:rPr lang="es-ES" sz="2400" dirty="0">
+                <a:latin typeface="Times New Roman" pitchFamily="18" charset="0"/>
+              </a:rPr>
+              <a:t>"  % </a:t>
+            </a:r>
+            <a:r>
+              <a:rPr lang="es-ES" sz="2400" dirty="0">
+                <a:solidFill>
+                  <a:srgbClr val="3333CC"/>
+                </a:solidFill>
+                <a:latin typeface="Times New Roman" pitchFamily="18" charset="0"/>
+              </a:rPr>
+              <a:t>Variable</a:t>
+            </a:r>
+            <a:r>
+              <a:rPr lang="es-ES" sz="2400" dirty="0">
+                <a:latin typeface="Times New Roman" pitchFamily="18" charset="0"/>
+              </a:rPr>
+              <a:t>)</a:t>
+            </a:r>
+          </a:p>
+        </p:txBody>
+      </p:sp>
+      <p:sp>
+        <p:nvSpPr>
+          <p:cNvPr id="7" name="Rectangle 9">
+            <a:extLst>
+              <a:ext uri="{FF2B5EF4-FFF2-40B4-BE49-F238E27FC236}">
+                <a16:creationId xmlns:a16="http://schemas.microsoft.com/office/drawing/2014/main" id="{08DD7361-648B-4F50-AB86-D502BC11E44C}"/>
+              </a:ext>
+            </a:extLst>
+          </p:cNvPr>
+          <p:cNvSpPr>
+            <a:spLocks noChangeArrowheads="1"/>
+          </p:cNvSpPr>
+          <p:nvPr/>
+        </p:nvSpPr>
+        <p:spPr bwMode="auto">
+          <a:xfrm>
+            <a:off x="467544" y="404664"/>
+            <a:ext cx="8339444" cy="1656184"/>
+          </a:xfrm>
+          <a:prstGeom prst="rect">
+            <a:avLst/>
+          </a:prstGeom>
+          <a:noFill/>
+          <a:ln w="9525">
+            <a:noFill/>
+            <a:miter lim="800000"/>
+            <a:headEnd/>
+            <a:tailEnd/>
+          </a:ln>
+          <a:effectLst/>
+        </p:spPr>
+        <p:txBody>
+          <a:bodyPr lIns="92075" tIns="46038" rIns="92075" bIns="46038" anchor="ctr"/>
+          <a:lstStyle/>
+          <a:p>
+            <a:pPr algn="ctr" eaLnBrk="0" hangingPunct="0"/>
+            <a:r>
+              <a:rPr lang="es-ES" sz="4400" b="1" dirty="0">
+                <a:solidFill>
+                  <a:schemeClr val="accent4">
+                    <a:lumMod val="50000"/>
+                  </a:schemeClr>
+                </a:solidFill>
+                <a:effectLst>
+                  <a:outerShdw blurRad="38100" dist="38100" dir="2700000" algn="tl">
+                    <a:srgbClr val="C0C0C0"/>
+                  </a:outerShdw>
+                </a:effectLst>
+              </a:rPr>
+              <a:t>Escritura de variables</a:t>
+            </a:r>
+          </a:p>
+          <a:p>
+            <a:pPr algn="ctr" eaLnBrk="0" hangingPunct="0"/>
+            <a:r>
+              <a:rPr lang="es-ES" sz="3200" b="1" dirty="0">
+                <a:solidFill>
+                  <a:schemeClr val="accent6">
+                    <a:lumMod val="75000"/>
+                  </a:schemeClr>
+                </a:solidFill>
+                <a:effectLst>
+                  <a:outerShdw blurRad="38100" dist="38100" dir="2700000" algn="tl">
+                    <a:srgbClr val="C0C0C0"/>
+                  </a:outerShdw>
+                </a:effectLst>
+              </a:rPr>
+              <a:t>Caracteres de sustitución</a:t>
+            </a:r>
+            <a:endParaRPr lang="es-ES_tradnl" sz="3200" b="1" dirty="0">
+              <a:solidFill>
+                <a:schemeClr val="accent6">
+                  <a:lumMod val="75000"/>
+                </a:schemeClr>
+              </a:solidFill>
+              <a:effectLst>
+                <a:outerShdw blurRad="38100" dist="38100" dir="2700000" algn="tl">
+                  <a:srgbClr val="C0C0C0"/>
+                </a:outerShdw>
+              </a:effectLst>
+            </a:endParaRPr>
+          </a:p>
+        </p:txBody>
+      </p:sp>
+      <p:sp>
+        <p:nvSpPr>
+          <p:cNvPr id="8" name="Text Box 3">
+            <a:extLst>
+              <a:ext uri="{FF2B5EF4-FFF2-40B4-BE49-F238E27FC236}">
+                <a16:creationId xmlns:a16="http://schemas.microsoft.com/office/drawing/2014/main" id="{BE446582-1A99-418F-BE26-CCC16119F3A8}"/>
+              </a:ext>
+            </a:extLst>
+          </p:cNvPr>
+          <p:cNvSpPr txBox="1">
+            <a:spLocks noChangeArrowheads="1"/>
+          </p:cNvSpPr>
+          <p:nvPr/>
+        </p:nvSpPr>
+        <p:spPr bwMode="auto">
+          <a:xfrm>
+            <a:off x="797127" y="5372317"/>
+            <a:ext cx="3331746" cy="461665"/>
+          </a:xfrm>
+          <a:prstGeom prst="rect">
+            <a:avLst/>
+          </a:prstGeom>
+          <a:noFill/>
+          <a:ln w="12700">
+            <a:noFill/>
+            <a:miter lim="800000"/>
+            <a:headEnd type="none" w="sm" len="sm"/>
+            <a:tailEnd type="none" w="sm" len="sm"/>
+          </a:ln>
+          <a:effectLst/>
+        </p:spPr>
+        <p:txBody>
+          <a:bodyPr wrap="none">
+            <a:spAutoFit/>
+          </a:bodyPr>
+          <a:lstStyle/>
+          <a:p>
+            <a:pPr algn="ctr" defTabSz="762000" eaLnBrk="0" hangingPunct="0"/>
+            <a:r>
+              <a:rPr lang="es-ES" sz="2400" dirty="0" err="1">
+                <a:latin typeface="Times New Roman" pitchFamily="18" charset="0"/>
+              </a:rPr>
+              <a:t>print</a:t>
+            </a:r>
+            <a:r>
+              <a:rPr lang="es-ES" sz="2400" dirty="0">
+                <a:latin typeface="Times New Roman" pitchFamily="18" charset="0"/>
+              </a:rPr>
+              <a:t> ("</a:t>
+            </a:r>
+            <a:r>
+              <a:rPr lang="es-ES" sz="2400" b="1" dirty="0">
+                <a:solidFill>
+                  <a:srgbClr val="FF0000"/>
+                </a:solidFill>
+                <a:latin typeface="Times New Roman" pitchFamily="18" charset="0"/>
+              </a:rPr>
+              <a:t>%c</a:t>
+            </a:r>
+            <a:r>
+              <a:rPr lang="es-ES" sz="2400" dirty="0">
+                <a:latin typeface="Times New Roman" pitchFamily="18" charset="0"/>
+              </a:rPr>
+              <a:t>"  % </a:t>
+            </a:r>
+            <a:r>
+              <a:rPr lang="es-ES" sz="2400" dirty="0">
+                <a:solidFill>
+                  <a:srgbClr val="3333CC"/>
+                </a:solidFill>
+                <a:latin typeface="Times New Roman" pitchFamily="18" charset="0"/>
+              </a:rPr>
+              <a:t>Variable</a:t>
+            </a:r>
+            <a:r>
+              <a:rPr lang="es-ES" sz="2400" dirty="0">
+                <a:latin typeface="Times New Roman" pitchFamily="18" charset="0"/>
+              </a:rPr>
+              <a:t>)</a:t>
+            </a:r>
+          </a:p>
+        </p:txBody>
+      </p:sp>
+      <p:sp>
+        <p:nvSpPr>
+          <p:cNvPr id="9" name="WordArt 7">
+            <a:extLst>
+              <a:ext uri="{FF2B5EF4-FFF2-40B4-BE49-F238E27FC236}">
+                <a16:creationId xmlns:a16="http://schemas.microsoft.com/office/drawing/2014/main" id="{8F10AF6F-0548-40AC-AC68-8D88002D2776}"/>
+              </a:ext>
+            </a:extLst>
+          </p:cNvPr>
+          <p:cNvSpPr>
+            <a:spLocks noChangeArrowheads="1" noChangeShapeType="1" noTextEdit="1"/>
+          </p:cNvSpPr>
+          <p:nvPr/>
+        </p:nvSpPr>
+        <p:spPr bwMode="auto">
+          <a:xfrm>
+            <a:off x="1712409" y="4486891"/>
+            <a:ext cx="990600" cy="571500"/>
+          </a:xfrm>
+          <a:prstGeom prst="rect">
+            <a:avLst/>
+          </a:prstGeom>
+        </p:spPr>
+        <p:txBody>
+          <a:bodyPr wrap="none" fromWordArt="1">
+            <a:prstTxWarp prst="textPlain">
+              <a:avLst>
+                <a:gd name="adj" fmla="val 50000"/>
+              </a:avLst>
+            </a:prstTxWarp>
+          </a:bodyPr>
+          <a:lstStyle/>
+          <a:p>
+            <a:pPr algn="ctr"/>
+            <a:r>
+              <a:rPr lang="es-MX" sz="3600" kern="10" dirty="0" err="1">
+                <a:ln w="19050">
+                  <a:solidFill>
+                    <a:srgbClr val="99CCFF"/>
+                  </a:solidFill>
+                  <a:round/>
+                  <a:headEnd type="none" w="sm" len="sm"/>
+                  <a:tailEnd type="none" w="sm" len="sm"/>
+                </a:ln>
+                <a:solidFill>
+                  <a:srgbClr val="0066CC"/>
+                </a:solidFill>
+                <a:effectLst>
+                  <a:outerShdw dist="35921" dir="2700000" algn="ctr" rotWithShape="0">
+                    <a:srgbClr val="990000"/>
+                  </a:outerShdw>
+                </a:effectLst>
+                <a:latin typeface="Impact"/>
+              </a:rPr>
+              <a:t>char</a:t>
+            </a:r>
+            <a:endParaRPr lang="es-MX" sz="3600" kern="10" dirty="0">
+              <a:ln w="19050">
+                <a:solidFill>
+                  <a:srgbClr val="99CCFF"/>
+                </a:solidFill>
+                <a:round/>
+                <a:headEnd type="none" w="sm" len="sm"/>
+                <a:tailEnd type="none" w="sm" len="sm"/>
+              </a:ln>
+              <a:solidFill>
+                <a:srgbClr val="0066CC"/>
+              </a:solidFill>
+              <a:effectLst>
+                <a:outerShdw dist="35921" dir="2700000" algn="ctr" rotWithShape="0">
+                  <a:srgbClr val="990000"/>
+                </a:outerShdw>
+              </a:effectLst>
+              <a:latin typeface="Impact"/>
+            </a:endParaRPr>
+          </a:p>
+        </p:txBody>
+      </p:sp>
+      <p:sp>
+        <p:nvSpPr>
+          <p:cNvPr id="10" name="WordArt 8">
+            <a:extLst>
+              <a:ext uri="{FF2B5EF4-FFF2-40B4-BE49-F238E27FC236}">
+                <a16:creationId xmlns:a16="http://schemas.microsoft.com/office/drawing/2014/main" id="{C673547D-EDEA-413F-AC0E-C7F7ABD59877}"/>
+              </a:ext>
+            </a:extLst>
+          </p:cNvPr>
+          <p:cNvSpPr>
+            <a:spLocks noChangeArrowheads="1" noChangeShapeType="1" noTextEdit="1"/>
+          </p:cNvSpPr>
+          <p:nvPr/>
+        </p:nvSpPr>
+        <p:spPr bwMode="auto">
+          <a:xfrm>
+            <a:off x="6085171" y="4595487"/>
+            <a:ext cx="990600" cy="571500"/>
+          </a:xfrm>
+          <a:prstGeom prst="rect">
+            <a:avLst/>
+          </a:prstGeom>
+        </p:spPr>
+        <p:txBody>
+          <a:bodyPr wrap="none" fromWordArt="1">
+            <a:prstTxWarp prst="textPlain">
+              <a:avLst>
+                <a:gd name="adj" fmla="val 50000"/>
+              </a:avLst>
+            </a:prstTxWarp>
+          </a:bodyPr>
+          <a:lstStyle/>
+          <a:p>
+            <a:pPr algn="ctr"/>
+            <a:r>
+              <a:rPr lang="es-MX" sz="3600" kern="10" dirty="0" err="1">
+                <a:ln w="19050">
+                  <a:solidFill>
+                    <a:srgbClr val="99CCFF"/>
+                  </a:solidFill>
+                  <a:round/>
+                  <a:headEnd type="none" w="sm" len="sm"/>
+                  <a:tailEnd type="none" w="sm" len="sm"/>
+                </a:ln>
+                <a:solidFill>
+                  <a:srgbClr val="0066CC"/>
+                </a:solidFill>
+                <a:effectLst>
+                  <a:outerShdw dist="35921" dir="2700000" algn="ctr" rotWithShape="0">
+                    <a:srgbClr val="990000"/>
+                  </a:outerShdw>
+                </a:effectLst>
+                <a:latin typeface="Impact"/>
+              </a:rPr>
+              <a:t>string</a:t>
+            </a:r>
+            <a:endParaRPr lang="es-MX" sz="3600" kern="10" dirty="0">
+              <a:ln w="19050">
+                <a:solidFill>
+                  <a:srgbClr val="99CCFF"/>
+                </a:solidFill>
+                <a:round/>
+                <a:headEnd type="none" w="sm" len="sm"/>
+                <a:tailEnd type="none" w="sm" len="sm"/>
+              </a:ln>
+              <a:solidFill>
+                <a:srgbClr val="0066CC"/>
+              </a:solidFill>
+              <a:effectLst>
+                <a:outerShdw dist="35921" dir="2700000" algn="ctr" rotWithShape="0">
+                  <a:srgbClr val="990000"/>
+                </a:outerShdw>
+              </a:effectLst>
+              <a:latin typeface="Impact"/>
+            </a:endParaRPr>
+          </a:p>
+        </p:txBody>
+      </p:sp>
+      <p:sp>
+        <p:nvSpPr>
+          <p:cNvPr id="11" name="Text Box 3">
+            <a:extLst>
+              <a:ext uri="{FF2B5EF4-FFF2-40B4-BE49-F238E27FC236}">
+                <a16:creationId xmlns:a16="http://schemas.microsoft.com/office/drawing/2014/main" id="{94C57FEB-1A79-4566-AB3A-A04DBD51E660}"/>
+              </a:ext>
+            </a:extLst>
+          </p:cNvPr>
+          <p:cNvSpPr txBox="1">
+            <a:spLocks noChangeArrowheads="1"/>
+          </p:cNvSpPr>
+          <p:nvPr/>
+        </p:nvSpPr>
+        <p:spPr bwMode="auto">
+          <a:xfrm>
+            <a:off x="5144184" y="5417863"/>
+            <a:ext cx="3230756" cy="461665"/>
+          </a:xfrm>
+          <a:prstGeom prst="rect">
+            <a:avLst/>
+          </a:prstGeom>
+          <a:noFill/>
+          <a:ln w="12700">
+            <a:noFill/>
+            <a:miter lim="800000"/>
+            <a:headEnd type="none" w="sm" len="sm"/>
+            <a:tailEnd type="none" w="sm" len="sm"/>
+          </a:ln>
+          <a:effectLst/>
+        </p:spPr>
+        <p:txBody>
+          <a:bodyPr wrap="none">
+            <a:spAutoFit/>
+          </a:bodyPr>
+          <a:lstStyle/>
+          <a:p>
+            <a:pPr algn="ctr" defTabSz="762000" eaLnBrk="0" hangingPunct="0"/>
+            <a:r>
+              <a:rPr lang="es-ES" sz="2400" dirty="0" err="1">
+                <a:latin typeface="Times New Roman" pitchFamily="18" charset="0"/>
+              </a:rPr>
+              <a:t>print</a:t>
+            </a:r>
+            <a:r>
+              <a:rPr lang="es-ES" sz="2400" dirty="0">
+                <a:latin typeface="Times New Roman" pitchFamily="18" charset="0"/>
+              </a:rPr>
+              <a:t> ("</a:t>
+            </a:r>
+            <a:r>
+              <a:rPr lang="es-ES" sz="2400" b="1" dirty="0">
+                <a:solidFill>
+                  <a:srgbClr val="FF0000"/>
+                </a:solidFill>
+                <a:latin typeface="Times New Roman" pitchFamily="18" charset="0"/>
+              </a:rPr>
+              <a:t>%s</a:t>
+            </a:r>
+            <a:r>
+              <a:rPr lang="es-ES" sz="2400" dirty="0">
+                <a:latin typeface="Times New Roman" pitchFamily="18" charset="0"/>
+              </a:rPr>
+              <a:t>"  % </a:t>
+            </a:r>
+            <a:r>
+              <a:rPr lang="es-ES" sz="2400" dirty="0">
+                <a:solidFill>
+                  <a:srgbClr val="3333CC"/>
+                </a:solidFill>
+                <a:latin typeface="Times New Roman" pitchFamily="18" charset="0"/>
+              </a:rPr>
+              <a:t>Variable</a:t>
+            </a:r>
+            <a:r>
+              <a:rPr lang="es-ES" sz="2400" dirty="0">
+                <a:latin typeface="Times New Roman" pitchFamily="18" charset="0"/>
+              </a:rPr>
+              <a:t>)</a:t>
+            </a:r>
+          </a:p>
+        </p:txBody>
+      </p:sp>
+    </p:spTree>
+    <p:extLst>
+      <p:ext uri="{BB962C8B-B14F-4D97-AF65-F5344CB8AC3E}">
+        <p14:creationId xmlns:p14="http://schemas.microsoft.com/office/powerpoint/2010/main" val="559087718"/>
+      </p:ext>
+    </p:extLst>
+  </p:cSld>
+  <p:clrMapOvr>
+    <a:masterClrMapping/>
+  </p:clrMapOvr>
+  <p:timing>
+    <p:tnLst>
+      <p:par>
+        <p:cTn id="1" dur="indefinite" restart="never" nodeType="tmRoot">
+          <p:childTnLst>
+            <p:seq concurrent="1" nextAc="seek">
+              <p:cTn id="2" dur="indefinite" nodeType="mainSeq">
+                <p:childTnLst>
+                  <p:par>
+                    <p:cTn id="3" fill="hold">
+                      <p:stCondLst>
+                        <p:cond delay="indefinite"/>
+                        <p:cond evt="onBegin" delay="0">
+                          <p:tn val="2"/>
+                        </p:cond>
+                      </p:stCondLst>
+                      <p:childTnLst>
+                        <p:par>
+                          <p:cTn id="4" fill="hold">
+                            <p:stCondLst>
+                              <p:cond delay="0"/>
+                            </p:stCondLst>
+                            <p:childTnLst>
+                              <p:par>
+                                <p:cTn id="5" presetID="1" presetClass="entr" presetSubtype="0" fill="hold" grpId="0" nodeType="withEffect">
+                                  <p:stCondLst>
+                                    <p:cond delay="0"/>
+                                  </p:stCondLst>
+                                  <p:childTnLst>
+                                    <p:set>
+                                      <p:cBhvr>
+                                        <p:cTn id="6" dur="1" fill="hold">
+                                          <p:stCondLst>
+                                            <p:cond delay="0"/>
+                                          </p:stCondLst>
+                                        </p:cTn>
+                                        <p:tgtEl>
+                                          <p:spTgt spid="92163"/>
+                                        </p:tgtEl>
+                                        <p:attrNameLst>
+                                          <p:attrName>style.visibility</p:attrName>
+                                        </p:attrNameLst>
+                                      </p:cBhvr>
+                                      <p:to>
+                                        <p:strVal val="visible"/>
+                                      </p:to>
+                                    </p:set>
+                                  </p:childTnLst>
+                                </p:cTn>
+                              </p:par>
+                              <p:par>
+                                <p:cTn id="7" presetID="1" presetClass="entr" presetSubtype="0" fill="hold" grpId="0" nodeType="withEffect">
+                                  <p:stCondLst>
+                                    <p:cond delay="0"/>
+                                  </p:stCondLst>
+                                  <p:childTnLst>
+                                    <p:set>
+                                      <p:cBhvr>
+                                        <p:cTn id="8" dur="1" fill="hold">
+                                          <p:stCondLst>
+                                            <p:cond delay="0"/>
+                                          </p:stCondLst>
+                                        </p:cTn>
+                                        <p:tgtEl>
+                                          <p:spTgt spid="92167"/>
+                                        </p:tgtEl>
+                                        <p:attrNameLst>
+                                          <p:attrName>style.visibility</p:attrName>
+                                        </p:attrNameLst>
+                                      </p:cBhvr>
+                                      <p:to>
+                                        <p:strVal val="visible"/>
+                                      </p:to>
+                                    </p:set>
+                                  </p:childTnLst>
+                                </p:cTn>
+                              </p:par>
+                              <p:par>
+                                <p:cTn id="9" presetID="1" presetClass="entr" presetSubtype="0" fill="hold" grpId="0" nodeType="withEffect">
+                                  <p:stCondLst>
+                                    <p:cond delay="0"/>
+                                  </p:stCondLst>
+                                  <p:childTnLst>
+                                    <p:set>
+                                      <p:cBhvr>
+                                        <p:cTn id="10" dur="1" fill="hold">
+                                          <p:stCondLst>
+                                            <p:cond delay="0"/>
+                                          </p:stCondLst>
+                                        </p:cTn>
+                                        <p:tgtEl>
+                                          <p:spTgt spid="92168"/>
+                                        </p:tgtEl>
+                                        <p:attrNameLst>
+                                          <p:attrName>style.visibility</p:attrName>
+                                        </p:attrNameLst>
+                                      </p:cBhvr>
+                                      <p:to>
+                                        <p:strVal val="visible"/>
+                                      </p:to>
+                                    </p:set>
+                                  </p:childTnLst>
+                                </p:cTn>
+                              </p:par>
+                              <p:par>
+                                <p:cTn id="11" presetID="1" presetClass="entr" presetSubtype="0" fill="hold" grpId="0" nodeType="withEffect">
+                                  <p:stCondLst>
+                                    <p:cond delay="0"/>
+                                  </p:stCondLst>
+                                  <p:childTnLst>
+                                    <p:set>
+                                      <p:cBhvr>
+                                        <p:cTn id="12" dur="1" fill="hold">
+                                          <p:stCondLst>
+                                            <p:cond delay="0"/>
+                                          </p:stCondLst>
+                                        </p:cTn>
+                                        <p:tgtEl>
+                                          <p:spTgt spid="12"/>
+                                        </p:tgtEl>
+                                        <p:attrNameLst>
+                                          <p:attrName>style.visibility</p:attrName>
+                                        </p:attrNameLst>
+                                      </p:cBhvr>
+                                      <p:to>
+                                        <p:strVal val="visible"/>
+                                      </p:to>
+                                    </p:set>
+                                  </p:childTnLst>
+                                </p:cTn>
+                              </p:par>
+                            </p:childTnLst>
+                          </p:cTn>
+                        </p:par>
+                      </p:childTnLst>
+                    </p:cTn>
+                  </p:par>
+                  <p:par>
+                    <p:cTn id="13" fill="hold">
+                      <p:stCondLst>
+                        <p:cond delay="indefinite"/>
+                      </p:stCondLst>
+                      <p:childTnLst>
+                        <p:par>
+                          <p:cTn id="14" fill="hold">
+                            <p:stCondLst>
+                              <p:cond delay="0"/>
+                            </p:stCondLst>
+                            <p:childTnLst>
+                              <p:par>
+                                <p:cTn id="15" presetID="24" presetClass="entr" presetSubtype="0" fill="hold" grpId="0" nodeType="clickEffect">
+                                  <p:stCondLst>
+                                    <p:cond delay="0"/>
+                                  </p:stCondLst>
+                                  <p:childTnLst>
+                                    <p:set>
+                                      <p:cBhvr>
+                                        <p:cTn id="16" dur="1" fill="hold">
+                                          <p:stCondLst>
+                                            <p:cond delay="499"/>
+                                          </p:stCondLst>
+                                        </p:cTn>
+                                        <p:tgtEl>
+                                          <p:spTgt spid="7"/>
+                                        </p:tgtEl>
+                                        <p:attrNameLst>
+                                          <p:attrName>style.visibility</p:attrName>
+                                        </p:attrNameLst>
+                                      </p:cBhvr>
+                                      <p:to>
+                                        <p:strVal val="visible"/>
+                                      </p:to>
+                                    </p:set>
+                                    <p:anim to="" calcmode="lin" valueType="num">
+                                      <p:cBhvr>
+                                        <p:cTn id="17" dur="1" fill="hold"/>
+                                        <p:tgtEl>
+                                          <p:spTgt spid="7"/>
+                                        </p:tgtEl>
+                                        <p:attrNameLst>
+                                          <p:attrName/>
+                                        </p:attrNameLst>
+                                      </p:cBhvr>
+                                    </p:anim>
+                                  </p:childTnLst>
+                                </p:cTn>
+                              </p:par>
+                              <p:par>
+                                <p:cTn id="18" presetID="1" presetClass="entr" presetSubtype="0" fill="hold" grpId="0" nodeType="withEffect">
+                                  <p:stCondLst>
+                                    <p:cond delay="0"/>
+                                  </p:stCondLst>
+                                  <p:childTnLst>
+                                    <p:set>
+                                      <p:cBhvr>
+                                        <p:cTn id="19" dur="1" fill="hold">
+                                          <p:stCondLst>
+                                            <p:cond delay="0"/>
+                                          </p:stCondLst>
+                                        </p:cTn>
+                                        <p:tgtEl>
+                                          <p:spTgt spid="8"/>
+                                        </p:tgtEl>
+                                        <p:attrNameLst>
+                                          <p:attrName>style.visibility</p:attrName>
+                                        </p:attrNameLst>
+                                      </p:cBhvr>
+                                      <p:to>
+                                        <p:strVal val="visible"/>
+                                      </p:to>
+                                    </p:set>
+                                  </p:childTnLst>
+                                </p:cTn>
+                              </p:par>
+                              <p:par>
+                                <p:cTn id="20" presetID="1" presetClass="entr" presetSubtype="0" fill="hold" grpId="0" nodeType="withEffect">
+                                  <p:stCondLst>
+                                    <p:cond delay="0"/>
+                                  </p:stCondLst>
+                                  <p:childTnLst>
+                                    <p:set>
+                                      <p:cBhvr>
+                                        <p:cTn id="21" dur="1" fill="hold">
+                                          <p:stCondLst>
+                                            <p:cond delay="0"/>
+                                          </p:stCondLst>
+                                        </p:cTn>
+                                        <p:tgtEl>
+                                          <p:spTgt spid="9"/>
+                                        </p:tgtEl>
+                                        <p:attrNameLst>
+                                          <p:attrName>style.visibility</p:attrName>
+                                        </p:attrNameLst>
+                                      </p:cBhvr>
+                                      <p:to>
+                                        <p:strVal val="visible"/>
+                                      </p:to>
+                                    </p:set>
+                                  </p:childTnLst>
+                                </p:cTn>
+                              </p:par>
+                              <p:par>
+                                <p:cTn id="22" presetID="1" presetClass="entr" presetSubtype="0" fill="hold" grpId="0" nodeType="withEffect">
+                                  <p:stCondLst>
+                                    <p:cond delay="0"/>
+                                  </p:stCondLst>
+                                  <p:childTnLst>
+                                    <p:set>
+                                      <p:cBhvr>
+                                        <p:cTn id="23" dur="1" fill="hold">
+                                          <p:stCondLst>
+                                            <p:cond delay="0"/>
+                                          </p:stCondLst>
+                                        </p:cTn>
+                                        <p:tgtEl>
+                                          <p:spTgt spid="10"/>
+                                        </p:tgtEl>
+                                        <p:attrNameLst>
+                                          <p:attrName>style.visibility</p:attrName>
+                                        </p:attrNameLst>
+                                      </p:cBhvr>
+                                      <p:to>
+                                        <p:strVal val="visible"/>
+                                      </p:to>
+                                    </p:set>
+                                  </p:childTnLst>
+                                </p:cTn>
+                              </p:par>
+                              <p:par>
+                                <p:cTn id="24" presetID="1" presetClass="entr" presetSubtype="0" fill="hold" grpId="0" nodeType="withEffect">
+                                  <p:stCondLst>
+                                    <p:cond delay="0"/>
+                                  </p:stCondLst>
+                                  <p:childTnLst>
+                                    <p:set>
+                                      <p:cBhvr>
+                                        <p:cTn id="25" dur="1" fill="hold">
+                                          <p:stCondLst>
+                                            <p:cond delay="0"/>
+                                          </p:stCondLst>
+                                        </p:cTn>
+                                        <p:tgtEl>
+                                          <p:spTgt spid="11"/>
+                                        </p:tgtEl>
+                                        <p:attrNameLst>
+                                          <p:attrName>style.visibility</p:attrName>
+                                        </p:attrNameLst>
+                                      </p:cBhvr>
+                                      <p:to>
+                                        <p:strVal val="visible"/>
+                                      </p:to>
+                                    </p:set>
+                                  </p:childTnLst>
+                                </p:cTn>
+                              </p:par>
+                            </p:childTnLst>
+                          </p:cTn>
+                        </p:par>
+                      </p:childTnLst>
+                    </p:cTn>
+                  </p:par>
+                </p:childTnLst>
+              </p:cTn>
+              <p:prevCondLst>
+                <p:cond evt="onPrev" delay="0">
+                  <p:tgtEl>
+                    <p:sldTgt/>
+                  </p:tgtEl>
+                </p:cond>
+              </p:prevCondLst>
+              <p:nextCondLst>
+                <p:cond evt="onNext" delay="0">
+                  <p:tgtEl>
+                    <p:sldTgt/>
+                  </p:tgtEl>
+                </p:cond>
+              </p:nextCondLst>
+            </p:seq>
+          </p:childTnLst>
+        </p:cTn>
+      </p:par>
+    </p:tnLst>
+    <p:bldLst>
+      <p:bldP spid="92163" grpId="0"/>
+      <p:bldP spid="92167" grpId="0"/>
+      <p:bldP spid="92168" grpId="0"/>
+      <p:bldP spid="12" grpId="0"/>
+      <p:bldP spid="7" grpId="0" autoUpdateAnimBg="0"/>
+      <p:bldP spid="8" grpId="0"/>
+      <p:bldP spid="9" grpId="0"/>
+      <p:bldP spid="10" grpId="0"/>
+      <p:bldP spid="11" grpId="0"/>
+    </p:bldLst>
+  </p:timing>
+</p:sld>
+</file>
+
+<file path=ppt/slides/slide2.xml><?xml version="1.0" encoding="utf-8"?>
+<p:sld xmlns:a="http://schemas.openxmlformats.org/drawingml/2006/main" xmlns:r="http://schemas.openxmlformats.org/officeDocument/2006/relationships" xmlns:p="http://schemas.openxmlformats.org/presentationml/2006/main">
+  <p:cSld>
+    <p:spTree>
+      <p:nvGrpSpPr>
+        <p:cNvPr id="1" name=""/>
+        <p:cNvGrpSpPr/>
+        <p:nvPr/>
+      </p:nvGrpSpPr>
+      <p:grpSpPr>
+        <a:xfrm>
+          <a:off x="0" y="0"/>
+          <a:ext cx="0" cy="0"/>
+          <a:chOff x="0" y="0"/>
+          <a:chExt cx="0" cy="0"/>
+        </a:xfrm>
+      </p:grpSpPr>
+      <p:sp>
+        <p:nvSpPr>
+          <p:cNvPr id="14" name="object 14"/>
+          <p:cNvSpPr txBox="1"/>
+          <p:nvPr/>
+        </p:nvSpPr>
+        <p:spPr>
+          <a:xfrm>
+            <a:off x="1246829" y="764704"/>
+            <a:ext cx="6650341" cy="685236"/>
+          </a:xfrm>
+          <a:prstGeom prst="rect">
+            <a:avLst/>
+          </a:prstGeom>
+        </p:spPr>
+        <p:txBody>
+          <a:bodyPr vert="horz" wrap="square" lIns="0" tIns="0" rIns="0" bIns="0" rtlCol="0">
+            <a:noAutofit/>
+          </a:bodyPr>
+          <a:lstStyle/>
+          <a:p>
+            <a:pPr marL="12700" algn="ctr"/>
+            <a:r>
+              <a:rPr lang="es-MX" sz="4000" b="1" dirty="0">
+                <a:solidFill>
+                  <a:srgbClr val="002060"/>
+                </a:solidFill>
+                <a:latin typeface="Calibri"/>
+                <a:cs typeface="Calibri"/>
+              </a:rPr>
+              <a:t>Componentes de un programa</a:t>
+            </a:r>
+            <a:endParaRPr sz="4000" b="1" dirty="0">
+              <a:solidFill>
+                <a:srgbClr val="002060"/>
+              </a:solidFill>
+              <a:latin typeface="Calibri"/>
+              <a:cs typeface="Calibri"/>
+            </a:endParaRPr>
+          </a:p>
+        </p:txBody>
+      </p:sp>
+      <p:sp>
+        <p:nvSpPr>
+          <p:cNvPr id="20" name="object 20"/>
+          <p:cNvSpPr txBox="1">
+            <a:spLocks noGrp="1"/>
+          </p:cNvSpPr>
+          <p:nvPr>
+            <p:ph type="sldNum" sz="quarter" idx="7"/>
+          </p:nvPr>
+        </p:nvSpPr>
+        <p:spPr>
+          <a:xfrm>
+            <a:off x="79756" y="4869179"/>
+            <a:ext cx="206248" cy="203200"/>
+          </a:xfrm>
+          <a:prstGeom prst="rect">
+            <a:avLst/>
+          </a:prstGeom>
+        </p:spPr>
+        <p:txBody>
+          <a:bodyPr vert="horz" wrap="square" lIns="0" tIns="0" rIns="0" bIns="0" rtlCol="0">
+            <a:noAutofit/>
+          </a:bodyPr>
+          <a:lstStyle>
+            <a:defPPr>
+              <a:defRPr lang="es-MX"/>
+            </a:defPPr>
+            <a:lvl1pPr marL="0" algn="l" defTabSz="914400" rtl="0" eaLnBrk="1" latinLnBrk="0" hangingPunct="1">
+              <a:defRPr sz="1800" kern="1200">
+                <a:solidFill>
+                  <a:schemeClr val="tx1"/>
+                </a:solidFill>
+                <a:latin typeface="+mn-lt"/>
+                <a:ea typeface="+mn-ea"/>
+                <a:cs typeface="+mn-cs"/>
+              </a:defRPr>
+            </a:lvl1pPr>
+            <a:lvl2pPr marL="457200" algn="l" defTabSz="914400" rtl="0" eaLnBrk="1" latinLnBrk="0" hangingPunct="1">
+              <a:defRPr sz="1800" kern="1200">
+                <a:solidFill>
+                  <a:schemeClr val="tx1"/>
+                </a:solidFill>
+                <a:latin typeface="+mn-lt"/>
+                <a:ea typeface="+mn-ea"/>
+                <a:cs typeface="+mn-cs"/>
+              </a:defRPr>
+            </a:lvl2pPr>
+            <a:lvl3pPr marL="914400" algn="l" defTabSz="914400" rtl="0" eaLnBrk="1" latinLnBrk="0" hangingPunct="1">
+              <a:defRPr sz="1800" kern="1200">
+                <a:solidFill>
+                  <a:schemeClr val="tx1"/>
+                </a:solidFill>
+                <a:latin typeface="+mn-lt"/>
+                <a:ea typeface="+mn-ea"/>
+                <a:cs typeface="+mn-cs"/>
+              </a:defRPr>
+            </a:lvl3pPr>
+            <a:lvl4pPr marL="1371600" algn="l" defTabSz="914400" rtl="0" eaLnBrk="1" latinLnBrk="0" hangingPunct="1">
+              <a:defRPr sz="1800" kern="1200">
+                <a:solidFill>
+                  <a:schemeClr val="tx1"/>
+                </a:solidFill>
+                <a:latin typeface="+mn-lt"/>
+                <a:ea typeface="+mn-ea"/>
+                <a:cs typeface="+mn-cs"/>
+              </a:defRPr>
+            </a:lvl4pPr>
+            <a:lvl5pPr marL="1828800" algn="l" defTabSz="914400" rtl="0" eaLnBrk="1" latinLnBrk="0" hangingPunct="1">
+              <a:defRPr sz="1800" kern="1200">
+                <a:solidFill>
+                  <a:schemeClr val="tx1"/>
+                </a:solidFill>
+                <a:latin typeface="+mn-lt"/>
+                <a:ea typeface="+mn-ea"/>
+                <a:cs typeface="+mn-cs"/>
+              </a:defRPr>
+            </a:lvl5pPr>
+            <a:lvl6pPr marL="2286000" algn="l" defTabSz="914400" rtl="0" eaLnBrk="1" latinLnBrk="0" hangingPunct="1">
+              <a:defRPr sz="1800" kern="1200">
+                <a:solidFill>
+                  <a:schemeClr val="tx1"/>
+                </a:solidFill>
+                <a:latin typeface="+mn-lt"/>
+                <a:ea typeface="+mn-ea"/>
+                <a:cs typeface="+mn-cs"/>
+              </a:defRPr>
+            </a:lvl6pPr>
+            <a:lvl7pPr marL="2743200" algn="l" defTabSz="914400" rtl="0" eaLnBrk="1" latinLnBrk="0" hangingPunct="1">
+              <a:defRPr sz="1800" kern="1200">
+                <a:solidFill>
+                  <a:schemeClr val="tx1"/>
+                </a:solidFill>
+                <a:latin typeface="+mn-lt"/>
+                <a:ea typeface="+mn-ea"/>
+                <a:cs typeface="+mn-cs"/>
+              </a:defRPr>
+            </a:lvl7pPr>
+            <a:lvl8pPr marL="3200400" algn="l" defTabSz="914400" rtl="0" eaLnBrk="1" latinLnBrk="0" hangingPunct="1">
+              <a:defRPr sz="1800" kern="1200">
+                <a:solidFill>
+                  <a:schemeClr val="tx1"/>
+                </a:solidFill>
+                <a:latin typeface="+mn-lt"/>
+                <a:ea typeface="+mn-ea"/>
+                <a:cs typeface="+mn-cs"/>
+              </a:defRPr>
+            </a:lvl8pPr>
+            <a:lvl9pPr marL="3657600" algn="l" defTabSz="914400" rtl="0" eaLnBrk="1" latinLnBrk="0" hangingPunct="1">
+              <a:defRPr sz="1800" kern="1200">
+                <a:solidFill>
+                  <a:schemeClr val="tx1"/>
+                </a:solidFill>
+                <a:latin typeface="+mn-lt"/>
+                <a:ea typeface="+mn-ea"/>
+                <a:cs typeface="+mn-cs"/>
+              </a:defRPr>
+            </a:lvl9pPr>
+          </a:lstStyle>
+          <a:p>
+            <a:pPr marL="25400"/>
+            <a:fld id="{81D60167-4931-47E6-BA6A-407CBD079E47}" type="slidenum">
+              <a:rPr lang="es-MX" sz="1200" spc="-10" smtClean="0">
+                <a:solidFill>
+                  <a:srgbClr val="18BAD4"/>
+                </a:solidFill>
+                <a:latin typeface="Calibri"/>
+                <a:cs typeface="Calibri"/>
+              </a:rPr>
+              <a:pPr marL="25400"/>
+              <a:t>2</a:t>
+            </a:fld>
+            <a:endParaRPr sz="1200">
+              <a:latin typeface="Calibri"/>
+              <a:cs typeface="Calibri"/>
+            </a:endParaRPr>
+          </a:p>
+        </p:txBody>
+      </p:sp>
+      <p:sp>
+        <p:nvSpPr>
+          <p:cNvPr id="24" name="Google Shape;80;p9">
+            <a:extLst>
+              <a:ext uri="{FF2B5EF4-FFF2-40B4-BE49-F238E27FC236}">
+                <a16:creationId xmlns:a16="http://schemas.microsoft.com/office/drawing/2014/main" id="{13CAE77C-7B36-4A08-B548-50662F52C4FB}"/>
+              </a:ext>
+            </a:extLst>
+          </p:cNvPr>
+          <p:cNvSpPr txBox="1"/>
+          <p:nvPr/>
+        </p:nvSpPr>
+        <p:spPr>
+          <a:xfrm>
+            <a:off x="1475656" y="1772816"/>
+            <a:ext cx="4547530" cy="2476313"/>
+          </a:xfrm>
+          <a:prstGeom prst="rect">
+            <a:avLst/>
+          </a:prstGeom>
+          <a:noFill/>
+          <a:ln>
+            <a:noFill/>
+          </a:ln>
+        </p:spPr>
+        <p:txBody>
+          <a:bodyPr spcFirstLastPara="1" wrap="square" lIns="0" tIns="0" rIns="0" bIns="0" anchor="t" anchorCtr="0">
+            <a:noAutofit/>
+          </a:bodyPr>
+          <a:lstStyle/>
+          <a:p>
+            <a:pPr marL="742950" marR="386080" indent="-742950" algn="just">
+              <a:spcAft>
+                <a:spcPts val="600"/>
+              </a:spcAft>
+              <a:buClr>
+                <a:srgbClr val="002060"/>
+              </a:buClr>
+              <a:buSzPts val="2450"/>
+              <a:buFont typeface="+mj-lt"/>
+              <a:buAutoNum type="arabicPeriod"/>
+            </a:pPr>
+            <a:r>
+              <a:rPr lang="en-US" sz="3200" dirty="0" err="1">
+                <a:solidFill>
+                  <a:schemeClr val="tx1">
+                    <a:lumMod val="95000"/>
+                    <a:lumOff val="5000"/>
+                  </a:schemeClr>
+                </a:solidFill>
+                <a:cs typeface="Calibri"/>
+                <a:sym typeface="Corbel"/>
+              </a:rPr>
+              <a:t>Identificador</a:t>
+            </a:r>
+            <a:endParaRPr lang="en-US" sz="3200" dirty="0">
+              <a:solidFill>
+                <a:schemeClr val="tx1">
+                  <a:lumMod val="95000"/>
+                  <a:lumOff val="5000"/>
+                </a:schemeClr>
+              </a:solidFill>
+              <a:cs typeface="Calibri"/>
+              <a:sym typeface="Corbel"/>
+            </a:endParaRPr>
+          </a:p>
+          <a:p>
+            <a:pPr marL="742950" marR="386080" indent="-742950" algn="just">
+              <a:spcAft>
+                <a:spcPts val="600"/>
+              </a:spcAft>
+              <a:buClr>
+                <a:srgbClr val="002060"/>
+              </a:buClr>
+              <a:buSzPts val="2450"/>
+              <a:buFont typeface="+mj-lt"/>
+              <a:buAutoNum type="arabicPeriod"/>
+            </a:pPr>
+            <a:r>
+              <a:rPr lang="en-US" sz="3200" dirty="0">
+                <a:solidFill>
+                  <a:schemeClr val="tx1">
+                    <a:lumMod val="95000"/>
+                    <a:lumOff val="5000"/>
+                  </a:schemeClr>
+                </a:solidFill>
+                <a:cs typeface="Calibri"/>
+                <a:sym typeface="Corbel"/>
+              </a:rPr>
+              <a:t>Variable</a:t>
+            </a:r>
+          </a:p>
+          <a:p>
+            <a:pPr marL="742950" marR="386080" indent="-742950" algn="just">
+              <a:spcAft>
+                <a:spcPts val="600"/>
+              </a:spcAft>
+              <a:buClr>
+                <a:srgbClr val="002060"/>
+              </a:buClr>
+              <a:buSzPts val="2450"/>
+              <a:buFont typeface="+mj-lt"/>
+              <a:buAutoNum type="arabicPeriod"/>
+            </a:pPr>
+            <a:r>
+              <a:rPr lang="en-US" sz="3200" dirty="0" err="1">
+                <a:solidFill>
+                  <a:schemeClr val="tx1">
+                    <a:lumMod val="95000"/>
+                    <a:lumOff val="5000"/>
+                  </a:schemeClr>
+                </a:solidFill>
+                <a:cs typeface="Calibri"/>
+                <a:sym typeface="Corbel"/>
+              </a:rPr>
+              <a:t>Constante</a:t>
+            </a:r>
+            <a:endParaRPr lang="en-US" sz="3200" dirty="0">
+              <a:solidFill>
+                <a:schemeClr val="tx1">
+                  <a:lumMod val="95000"/>
+                  <a:lumOff val="5000"/>
+                </a:schemeClr>
+              </a:solidFill>
+              <a:cs typeface="Calibri"/>
+              <a:sym typeface="Corbel"/>
+            </a:endParaRPr>
+          </a:p>
+          <a:p>
+            <a:pPr marL="742950" marR="386080" indent="-742950" algn="just">
+              <a:spcAft>
+                <a:spcPts val="600"/>
+              </a:spcAft>
+              <a:buClr>
+                <a:srgbClr val="002060"/>
+              </a:buClr>
+              <a:buSzPts val="2450"/>
+              <a:buFont typeface="+mj-lt"/>
+              <a:buAutoNum type="arabicPeriod"/>
+            </a:pPr>
+            <a:r>
+              <a:rPr lang="en-US" sz="3200" dirty="0" err="1">
+                <a:solidFill>
+                  <a:schemeClr val="tx1">
+                    <a:lumMod val="95000"/>
+                    <a:lumOff val="5000"/>
+                  </a:schemeClr>
+                </a:solidFill>
+                <a:cs typeface="Calibri"/>
+                <a:sym typeface="Corbel"/>
+              </a:rPr>
+              <a:t>Instrucciones</a:t>
+            </a:r>
+            <a:endParaRPr sz="3200" dirty="0">
+              <a:solidFill>
+                <a:schemeClr val="tx1">
+                  <a:lumMod val="95000"/>
+                  <a:lumOff val="5000"/>
+                </a:schemeClr>
+              </a:solidFill>
+              <a:cs typeface="Calibri"/>
+              <a:sym typeface="Corbel"/>
+            </a:endParaRPr>
+          </a:p>
+        </p:txBody>
+      </p:sp>
+      <p:pic>
+        <p:nvPicPr>
+          <p:cNvPr id="21" name="Imagen 20" descr="Imagen que contiene computadora, tabla&#10;&#10;Descripción generada automáticamente">
+            <a:extLst>
+              <a:ext uri="{FF2B5EF4-FFF2-40B4-BE49-F238E27FC236}">
+                <a16:creationId xmlns:a16="http://schemas.microsoft.com/office/drawing/2014/main" id="{AE06E90D-55AA-442F-8ED4-8993859CC3CB}"/>
+              </a:ext>
+            </a:extLst>
+          </p:cNvPr>
+          <p:cNvPicPr>
+            <a:picLocks noChangeAspect="1"/>
+          </p:cNvPicPr>
+          <p:nvPr/>
+        </p:nvPicPr>
+        <p:blipFill>
+          <a:blip r:embed="rId2">
+            <a:extLst>
+              <a:ext uri="{28A0092B-C50C-407E-A947-70E740481C1C}">
+                <a14:useLocalDpi xmlns:a14="http://schemas.microsoft.com/office/drawing/2010/main" val="0"/>
+              </a:ext>
+            </a:extLst>
+          </a:blip>
+          <a:stretch>
+            <a:fillRect/>
+          </a:stretch>
+        </p:blipFill>
+        <p:spPr>
+          <a:xfrm>
+            <a:off x="5318691" y="3140968"/>
+            <a:ext cx="3046803" cy="3096344"/>
+          </a:xfrm>
+          <a:prstGeom prst="rect">
+            <a:avLst/>
+          </a:prstGeom>
+        </p:spPr>
+      </p:pic>
+    </p:spTree>
+    <p:extLst>
+      <p:ext uri="{BB962C8B-B14F-4D97-AF65-F5344CB8AC3E}">
+        <p14:creationId xmlns:p14="http://schemas.microsoft.com/office/powerpoint/2010/main" val="2795839144"/>
+      </p:ext>
+    </p:extLst>
+  </p:cSld>
+  <p:clrMapOvr>
+    <a:masterClrMapping/>
+  </p:clrMapOvr>
+</p:sld>
+</file>
+
+<file path=ppt/slides/slide20.xml><?xml version="1.0" encoding="utf-8"?>
+<p:sld xmlns:a="http://schemas.openxmlformats.org/drawingml/2006/main" xmlns:r="http://schemas.openxmlformats.org/officeDocument/2006/relationships" xmlns:p="http://schemas.openxmlformats.org/presentationml/2006/main">
+  <p:cSld>
+    <p:spTree>
+      <p:nvGrpSpPr>
+        <p:cNvPr id="1" name=""/>
+        <p:cNvGrpSpPr/>
+        <p:nvPr/>
+      </p:nvGrpSpPr>
+      <p:grpSpPr>
+        <a:xfrm>
+          <a:off x="0" y="0"/>
+          <a:ext cx="0" cy="0"/>
+          <a:chOff x="0" y="0"/>
+          <a:chExt cx="0" cy="0"/>
+        </a:xfrm>
+      </p:grpSpPr>
       <p:sp>
         <p:nvSpPr>
           <p:cNvPr id="63490" name="Rectangle 2"/>
@@ -8545,7 +11198,7 @@
 </p:sld>
 </file>
 
-<file path=ppt/slides/slide19.xml><?xml version="1.0" encoding="utf-8"?>
+<file path=ppt/slides/slide21.xml><?xml version="1.0" encoding="utf-8"?>
 <p:sld xmlns:a="http://schemas.openxmlformats.org/drawingml/2006/main" xmlns:r="http://schemas.openxmlformats.org/officeDocument/2006/relationships" xmlns:p="http://schemas.openxmlformats.org/presentationml/2006/main">
   <p:cSld>
     <p:spTree>
@@ -8886,419 +11539,7 @@
 </p:sld>
 </file>
 
-<file path=ppt/slides/slide2.xml><?xml version="1.0" encoding="utf-8"?>
-<p:sld xmlns:a="http://schemas.openxmlformats.org/drawingml/2006/main" xmlns:r="http://schemas.openxmlformats.org/officeDocument/2006/relationships" xmlns:p="http://schemas.openxmlformats.org/presentationml/2006/main">
-  <p:cSld>
-    <p:spTree>
-      <p:nvGrpSpPr>
-        <p:cNvPr id="1" name=""/>
-        <p:cNvGrpSpPr/>
-        <p:nvPr/>
-      </p:nvGrpSpPr>
-      <p:grpSpPr>
-        <a:xfrm>
-          <a:off x="0" y="0"/>
-          <a:ext cx="0" cy="0"/>
-          <a:chOff x="0" y="0"/>
-          <a:chExt cx="0" cy="0"/>
-        </a:xfrm>
-      </p:grpSpPr>
-      <p:sp>
-        <p:nvSpPr>
-          <p:cNvPr id="14" name="object 14"/>
-          <p:cNvSpPr txBox="1"/>
-          <p:nvPr/>
-        </p:nvSpPr>
-        <p:spPr>
-          <a:xfrm>
-            <a:off x="1246829" y="764704"/>
-            <a:ext cx="6650341" cy="685236"/>
-          </a:xfrm>
-          <a:prstGeom prst="rect">
-            <a:avLst/>
-          </a:prstGeom>
-        </p:spPr>
-        <p:txBody>
-          <a:bodyPr vert="horz" wrap="square" lIns="0" tIns="0" rIns="0" bIns="0" rtlCol="0">
-            <a:noAutofit/>
-          </a:bodyPr>
-          <a:lstStyle/>
-          <a:p>
-            <a:pPr marL="12700" algn="ctr"/>
-            <a:r>
-              <a:rPr lang="es-MX" sz="4000" b="1" dirty="0">
-                <a:solidFill>
-                  <a:srgbClr val="002060"/>
-                </a:solidFill>
-                <a:latin typeface="Calibri"/>
-                <a:cs typeface="Calibri"/>
-              </a:rPr>
-              <a:t>Componentes de un programa</a:t>
-            </a:r>
-            <a:endParaRPr sz="4000" b="1" dirty="0">
-              <a:solidFill>
-                <a:srgbClr val="002060"/>
-              </a:solidFill>
-              <a:latin typeface="Calibri"/>
-              <a:cs typeface="Calibri"/>
-            </a:endParaRPr>
-          </a:p>
-        </p:txBody>
-      </p:sp>
-      <p:sp>
-        <p:nvSpPr>
-          <p:cNvPr id="20" name="object 20"/>
-          <p:cNvSpPr txBox="1">
-            <a:spLocks noGrp="1"/>
-          </p:cNvSpPr>
-          <p:nvPr>
-            <p:ph type="sldNum" sz="quarter" idx="7"/>
-          </p:nvPr>
-        </p:nvSpPr>
-        <p:spPr>
-          <a:xfrm>
-            <a:off x="79756" y="4869179"/>
-            <a:ext cx="206248" cy="203200"/>
-          </a:xfrm>
-          <a:prstGeom prst="rect">
-            <a:avLst/>
-          </a:prstGeom>
-        </p:spPr>
-        <p:txBody>
-          <a:bodyPr vert="horz" wrap="square" lIns="0" tIns="0" rIns="0" bIns="0" rtlCol="0">
-            <a:noAutofit/>
-          </a:bodyPr>
-          <a:lstStyle>
-            <a:defPPr>
-              <a:defRPr lang="es-MX"/>
-            </a:defPPr>
-            <a:lvl1pPr marL="0" algn="l" defTabSz="914400" rtl="0" eaLnBrk="1" latinLnBrk="0" hangingPunct="1">
-              <a:defRPr sz="1800" kern="1200">
-                <a:solidFill>
-                  <a:schemeClr val="tx1"/>
-                </a:solidFill>
-                <a:latin typeface="+mn-lt"/>
-                <a:ea typeface="+mn-ea"/>
-                <a:cs typeface="+mn-cs"/>
-              </a:defRPr>
-            </a:lvl1pPr>
-            <a:lvl2pPr marL="457200" algn="l" defTabSz="914400" rtl="0" eaLnBrk="1" latinLnBrk="0" hangingPunct="1">
-              <a:defRPr sz="1800" kern="1200">
-                <a:solidFill>
-                  <a:schemeClr val="tx1"/>
-                </a:solidFill>
-                <a:latin typeface="+mn-lt"/>
-                <a:ea typeface="+mn-ea"/>
-                <a:cs typeface="+mn-cs"/>
-              </a:defRPr>
-            </a:lvl2pPr>
-            <a:lvl3pPr marL="914400" algn="l" defTabSz="914400" rtl="0" eaLnBrk="1" latinLnBrk="0" hangingPunct="1">
-              <a:defRPr sz="1800" kern="1200">
-                <a:solidFill>
-                  <a:schemeClr val="tx1"/>
-                </a:solidFill>
-                <a:latin typeface="+mn-lt"/>
-                <a:ea typeface="+mn-ea"/>
-                <a:cs typeface="+mn-cs"/>
-              </a:defRPr>
-            </a:lvl3pPr>
-            <a:lvl4pPr marL="1371600" algn="l" defTabSz="914400" rtl="0" eaLnBrk="1" latinLnBrk="0" hangingPunct="1">
-              <a:defRPr sz="1800" kern="1200">
-                <a:solidFill>
-                  <a:schemeClr val="tx1"/>
-                </a:solidFill>
-                <a:latin typeface="+mn-lt"/>
-                <a:ea typeface="+mn-ea"/>
-                <a:cs typeface="+mn-cs"/>
-              </a:defRPr>
-            </a:lvl4pPr>
-            <a:lvl5pPr marL="1828800" algn="l" defTabSz="914400" rtl="0" eaLnBrk="1" latinLnBrk="0" hangingPunct="1">
-              <a:defRPr sz="1800" kern="1200">
-                <a:solidFill>
-                  <a:schemeClr val="tx1"/>
-                </a:solidFill>
-                <a:latin typeface="+mn-lt"/>
-                <a:ea typeface="+mn-ea"/>
-                <a:cs typeface="+mn-cs"/>
-              </a:defRPr>
-            </a:lvl5pPr>
-            <a:lvl6pPr marL="2286000" algn="l" defTabSz="914400" rtl="0" eaLnBrk="1" latinLnBrk="0" hangingPunct="1">
-              <a:defRPr sz="1800" kern="1200">
-                <a:solidFill>
-                  <a:schemeClr val="tx1"/>
-                </a:solidFill>
-                <a:latin typeface="+mn-lt"/>
-                <a:ea typeface="+mn-ea"/>
-                <a:cs typeface="+mn-cs"/>
-              </a:defRPr>
-            </a:lvl6pPr>
-            <a:lvl7pPr marL="2743200" algn="l" defTabSz="914400" rtl="0" eaLnBrk="1" latinLnBrk="0" hangingPunct="1">
-              <a:defRPr sz="1800" kern="1200">
-                <a:solidFill>
-                  <a:schemeClr val="tx1"/>
-                </a:solidFill>
-                <a:latin typeface="+mn-lt"/>
-                <a:ea typeface="+mn-ea"/>
-                <a:cs typeface="+mn-cs"/>
-              </a:defRPr>
-            </a:lvl7pPr>
-            <a:lvl8pPr marL="3200400" algn="l" defTabSz="914400" rtl="0" eaLnBrk="1" latinLnBrk="0" hangingPunct="1">
-              <a:defRPr sz="1800" kern="1200">
-                <a:solidFill>
-                  <a:schemeClr val="tx1"/>
-                </a:solidFill>
-                <a:latin typeface="+mn-lt"/>
-                <a:ea typeface="+mn-ea"/>
-                <a:cs typeface="+mn-cs"/>
-              </a:defRPr>
-            </a:lvl8pPr>
-            <a:lvl9pPr marL="3657600" algn="l" defTabSz="914400" rtl="0" eaLnBrk="1" latinLnBrk="0" hangingPunct="1">
-              <a:defRPr sz="1800" kern="1200">
-                <a:solidFill>
-                  <a:schemeClr val="tx1"/>
-                </a:solidFill>
-                <a:latin typeface="+mn-lt"/>
-                <a:ea typeface="+mn-ea"/>
-                <a:cs typeface="+mn-cs"/>
-              </a:defRPr>
-            </a:lvl9pPr>
-          </a:lstStyle>
-          <a:p>
-            <a:pPr marL="25400"/>
-            <a:fld id="{81D60167-4931-47E6-BA6A-407CBD079E47}" type="slidenum">
-              <a:rPr lang="es-MX" sz="1200" spc="-10" smtClean="0">
-                <a:solidFill>
-                  <a:srgbClr val="18BAD4"/>
-                </a:solidFill>
-                <a:latin typeface="Calibri"/>
-                <a:cs typeface="Calibri"/>
-              </a:rPr>
-              <a:pPr marL="25400"/>
-              <a:t>2</a:t>
-            </a:fld>
-            <a:endParaRPr sz="1200">
-              <a:latin typeface="Calibri"/>
-              <a:cs typeface="Calibri"/>
-            </a:endParaRPr>
-          </a:p>
-        </p:txBody>
-      </p:sp>
-      <p:sp>
-        <p:nvSpPr>
-          <p:cNvPr id="24" name="Google Shape;80;p9">
-            <a:extLst>
-              <a:ext uri="{FF2B5EF4-FFF2-40B4-BE49-F238E27FC236}">
-                <a16:creationId xmlns:a16="http://schemas.microsoft.com/office/drawing/2014/main" id="{13CAE77C-7B36-4A08-B548-50662F52C4FB}"/>
-              </a:ext>
-            </a:extLst>
-          </p:cNvPr>
-          <p:cNvSpPr txBox="1"/>
-          <p:nvPr/>
-        </p:nvSpPr>
-        <p:spPr>
-          <a:xfrm>
-            <a:off x="1475656" y="1772816"/>
-            <a:ext cx="4547530" cy="2476313"/>
-          </a:xfrm>
-          <a:prstGeom prst="rect">
-            <a:avLst/>
-          </a:prstGeom>
-          <a:noFill/>
-          <a:ln>
-            <a:noFill/>
-          </a:ln>
-        </p:spPr>
-        <p:txBody>
-          <a:bodyPr spcFirstLastPara="1" wrap="square" lIns="0" tIns="0" rIns="0" bIns="0" anchor="t" anchorCtr="0">
-            <a:noAutofit/>
-          </a:bodyPr>
-          <a:lstStyle/>
-          <a:p>
-            <a:pPr marL="742950" marR="386080" indent="-742950" algn="just">
-              <a:spcAft>
-                <a:spcPts val="600"/>
-              </a:spcAft>
-              <a:buClr>
-                <a:srgbClr val="002060"/>
-              </a:buClr>
-              <a:buSzPts val="2450"/>
-              <a:buFont typeface="+mj-lt"/>
-              <a:buAutoNum type="arabicPeriod"/>
-            </a:pPr>
-            <a:r>
-              <a:rPr lang="en-US" sz="3200" dirty="0" err="1">
-                <a:solidFill>
-                  <a:schemeClr val="tx1">
-                    <a:lumMod val="95000"/>
-                    <a:lumOff val="5000"/>
-                  </a:schemeClr>
-                </a:solidFill>
-                <a:cs typeface="Calibri"/>
-                <a:sym typeface="Corbel"/>
-              </a:rPr>
-              <a:t>Identificador</a:t>
-            </a:r>
-            <a:endParaRPr lang="en-US" sz="3200" dirty="0">
-              <a:solidFill>
-                <a:schemeClr val="tx1">
-                  <a:lumMod val="95000"/>
-                  <a:lumOff val="5000"/>
-                </a:schemeClr>
-              </a:solidFill>
-              <a:cs typeface="Calibri"/>
-              <a:sym typeface="Corbel"/>
-            </a:endParaRPr>
-          </a:p>
-          <a:p>
-            <a:pPr marL="742950" marR="386080" indent="-742950" algn="just">
-              <a:spcAft>
-                <a:spcPts val="600"/>
-              </a:spcAft>
-              <a:buClr>
-                <a:srgbClr val="002060"/>
-              </a:buClr>
-              <a:buSzPts val="2450"/>
-              <a:buFont typeface="+mj-lt"/>
-              <a:buAutoNum type="arabicPeriod"/>
-            </a:pPr>
-            <a:r>
-              <a:rPr lang="en-US" sz="3200" dirty="0">
-                <a:solidFill>
-                  <a:schemeClr val="tx1">
-                    <a:lumMod val="95000"/>
-                    <a:lumOff val="5000"/>
-                  </a:schemeClr>
-                </a:solidFill>
-                <a:cs typeface="Calibri"/>
-                <a:sym typeface="Corbel"/>
-              </a:rPr>
-              <a:t>Variable</a:t>
-            </a:r>
-          </a:p>
-          <a:p>
-            <a:pPr marL="742950" marR="386080" indent="-742950" algn="just">
-              <a:spcAft>
-                <a:spcPts val="600"/>
-              </a:spcAft>
-              <a:buClr>
-                <a:srgbClr val="002060"/>
-              </a:buClr>
-              <a:buSzPts val="2450"/>
-              <a:buFont typeface="+mj-lt"/>
-              <a:buAutoNum type="arabicPeriod"/>
-            </a:pPr>
-            <a:r>
-              <a:rPr lang="en-US" sz="3200" dirty="0" err="1">
-                <a:solidFill>
-                  <a:schemeClr val="tx1">
-                    <a:lumMod val="95000"/>
-                    <a:lumOff val="5000"/>
-                  </a:schemeClr>
-                </a:solidFill>
-                <a:cs typeface="Calibri"/>
-                <a:sym typeface="Corbel"/>
-              </a:rPr>
-              <a:t>Constante</a:t>
-            </a:r>
-            <a:endParaRPr lang="en-US" sz="3200" dirty="0">
-              <a:solidFill>
-                <a:schemeClr val="tx1">
-                  <a:lumMod val="95000"/>
-                  <a:lumOff val="5000"/>
-                </a:schemeClr>
-              </a:solidFill>
-              <a:cs typeface="Calibri"/>
-              <a:sym typeface="Corbel"/>
-            </a:endParaRPr>
-          </a:p>
-          <a:p>
-            <a:pPr marL="742950" marR="386080" indent="-742950" algn="just">
-              <a:spcAft>
-                <a:spcPts val="600"/>
-              </a:spcAft>
-              <a:buClr>
-                <a:srgbClr val="002060"/>
-              </a:buClr>
-              <a:buSzPts val="2450"/>
-              <a:buFont typeface="+mj-lt"/>
-              <a:buAutoNum type="arabicPeriod"/>
-            </a:pPr>
-            <a:r>
-              <a:rPr lang="en-US" sz="3200" dirty="0" err="1">
-                <a:solidFill>
-                  <a:schemeClr val="tx1">
-                    <a:lumMod val="95000"/>
-                    <a:lumOff val="5000"/>
-                  </a:schemeClr>
-                </a:solidFill>
-                <a:cs typeface="Calibri"/>
-                <a:sym typeface="Corbel"/>
-              </a:rPr>
-              <a:t>Instrucciones</a:t>
-            </a:r>
-            <a:endParaRPr sz="3200" dirty="0">
-              <a:solidFill>
-                <a:schemeClr val="tx1">
-                  <a:lumMod val="95000"/>
-                  <a:lumOff val="5000"/>
-                </a:schemeClr>
-              </a:solidFill>
-              <a:cs typeface="Calibri"/>
-              <a:sym typeface="Corbel"/>
-            </a:endParaRPr>
-          </a:p>
-        </p:txBody>
-      </p:sp>
-      <p:pic>
-        <p:nvPicPr>
-          <p:cNvPr id="21" name="Imagen 20" descr="Imagen que contiene computadora, tabla&#10;&#10;Descripción generada automáticamente">
-            <a:extLst>
-              <a:ext uri="{FF2B5EF4-FFF2-40B4-BE49-F238E27FC236}">
-                <a16:creationId xmlns:a16="http://schemas.microsoft.com/office/drawing/2014/main" id="{AE06E90D-55AA-442F-8ED4-8993859CC3CB}"/>
-              </a:ext>
-            </a:extLst>
-          </p:cNvPr>
-          <p:cNvPicPr>
-            <a:picLocks noChangeAspect="1"/>
-          </p:cNvPicPr>
-          <p:nvPr/>
-        </p:nvPicPr>
-        <p:blipFill>
-          <a:blip r:embed="rId2">
-            <a:extLst>
-              <a:ext uri="{28A0092B-C50C-407E-A947-70E740481C1C}">
-                <a14:useLocalDpi xmlns:a14="http://schemas.microsoft.com/office/drawing/2010/main" val="0"/>
-              </a:ext>
-            </a:extLst>
-          </a:blip>
-          <a:stretch>
-            <a:fillRect/>
-          </a:stretch>
-        </p:blipFill>
-        <p:spPr>
-          <a:xfrm>
-            <a:off x="5318691" y="3140968"/>
-            <a:ext cx="3046803" cy="3096344"/>
-          </a:xfrm>
-          <a:prstGeom prst="rect">
-            <a:avLst/>
-          </a:prstGeom>
-        </p:spPr>
-      </p:pic>
-    </p:spTree>
-    <p:extLst>
-      <p:ext uri="{BB962C8B-B14F-4D97-AF65-F5344CB8AC3E}">
-        <p14:creationId xmlns:p14="http://schemas.microsoft.com/office/powerpoint/2010/main" val="2795839144"/>
-      </p:ext>
-    </p:extLst>
-  </p:cSld>
-  <p:clrMapOvr>
-    <a:masterClrMapping/>
-  </p:clrMapOvr>
-</p:sld>
-</file>
-
-<file path=ppt/slides/slide20.xml><?xml version="1.0" encoding="utf-8"?>
+<file path=ppt/slides/slide22.xml><?xml version="1.0" encoding="utf-8"?>
 <p:sld xmlns:a="http://schemas.openxmlformats.org/drawingml/2006/main" xmlns:r="http://schemas.openxmlformats.org/officeDocument/2006/relationships" xmlns:p="http://schemas.openxmlformats.org/presentationml/2006/main">
   <p:cSld>
     <p:spTree>
@@ -9785,7 +12026,7 @@
 </p:sld>
 </file>
 
-<file path=ppt/slides/slide21.xml><?xml version="1.0" encoding="utf-8"?>
+<file path=ppt/slides/slide23.xml><?xml version="1.0" encoding="utf-8"?>
 <p:sld xmlns:a="http://schemas.openxmlformats.org/drawingml/2006/main" xmlns:r="http://schemas.openxmlformats.org/officeDocument/2006/relationships" xmlns:p="http://schemas.openxmlformats.org/presentationml/2006/main">
   <p:cSld>
     <p:spTree>
@@ -10205,7 +12446,7 @@
 </p:sld>
 </file>
 
-<file path=ppt/slides/slide22.xml><?xml version="1.0" encoding="utf-8"?>
+<file path=ppt/slides/slide24.xml><?xml version="1.0" encoding="utf-8"?>
 <p:sld xmlns:a="http://schemas.openxmlformats.org/drawingml/2006/main" xmlns:r="http://schemas.openxmlformats.org/officeDocument/2006/relationships" xmlns:p="http://schemas.openxmlformats.org/presentationml/2006/main">
   <p:cSld>
     <p:spTree>
@@ -10545,7 +12786,7 @@
 </p:sld>
 </file>
 
-<file path=ppt/slides/slide23.xml><?xml version="1.0" encoding="utf-8"?>
+<file path=ppt/slides/slide25.xml><?xml version="1.0" encoding="utf-8"?>
 <p:sld xmlns:a="http://schemas.openxmlformats.org/drawingml/2006/main" xmlns:r="http://schemas.openxmlformats.org/officeDocument/2006/relationships" xmlns:p="http://schemas.openxmlformats.org/presentationml/2006/main">
   <p:cSld>
     <p:spTree>
@@ -11078,7 +13319,7 @@
 </p:sld>
 </file>
 
-<file path=ppt/slides/slide24.xml><?xml version="1.0" encoding="utf-8"?>
+<file path=ppt/slides/slide26.xml><?xml version="1.0" encoding="utf-8"?>
 <p:sld xmlns:a="http://schemas.openxmlformats.org/drawingml/2006/main" xmlns:r="http://schemas.openxmlformats.org/officeDocument/2006/relationships" xmlns:p="http://schemas.openxmlformats.org/presentationml/2006/main">
   <p:cSld>
     <p:spTree>
@@ -12302,7 +14543,7 @@
                 <a:cs typeface="Calibri"/>
               </a:rPr>
               <a:pPr marL="25400"/>
-              <a:t>24</a:t>
+              <a:t>26</a:t>
             </a:fld>
             <a:endParaRPr dirty="0">
               <a:latin typeface="Calibri"/>
